--- a/docs/diagrams/ModelComponentClassDiagram.pptx
+++ b/docs/diagrams/ModelComponentClassDiagram.pptx
@@ -5,10 +5,11 @@
     <p:sldMasterId id="2147483648" r:id="rId1"/>
   </p:sldMasterIdLst>
   <p:notesMasterIdLst>
-    <p:notesMasterId r:id="rId3"/>
+    <p:notesMasterId r:id="rId4"/>
   </p:notesMasterIdLst>
   <p:sldIdLst>
     <p:sldId id="263" r:id="rId2"/>
+    <p:sldId id="264" r:id="rId3"/>
   </p:sldIdLst>
   <p:sldSz cx="9144000" cy="6858000" type="screen4x3"/>
   <p:notesSz cx="6858000" cy="9144000"/>
@@ -208,7 +209,7 @@
           <a:p>
             <a:fld id="{F5CC4B3F-88C1-4FFA-B1B6-F41C21DC6924}" type="datetimeFigureOut">
               <a:rPr lang="en-US" smtClean="0"/>
-              <a:t>10/23/18</a:t>
+              <a:t>11/10/2018</a:t>
             </a:fld>
             <a:endParaRPr lang="en-US"/>
           </a:p>
@@ -654,7 +655,7 @@
           <a:p>
             <a:fld id="{78C97017-6FC3-485B-9764-EAC9E56C1D49}" type="datetimeFigureOut">
               <a:rPr lang="en-US" smtClean="0"/>
-              <a:t>10/23/18</a:t>
+              <a:t>11/10/2018</a:t>
             </a:fld>
             <a:endParaRPr lang="en-US"/>
           </a:p>
@@ -822,7 +823,7 @@
           <a:p>
             <a:fld id="{78C97017-6FC3-485B-9764-EAC9E56C1D49}" type="datetimeFigureOut">
               <a:rPr lang="en-US" smtClean="0"/>
-              <a:t>10/23/18</a:t>
+              <a:t>11/10/2018</a:t>
             </a:fld>
             <a:endParaRPr lang="en-US"/>
           </a:p>
@@ -1000,7 +1001,7 @@
           <a:p>
             <a:fld id="{78C97017-6FC3-485B-9764-EAC9E56C1D49}" type="datetimeFigureOut">
               <a:rPr lang="en-US" smtClean="0"/>
-              <a:t>10/23/18</a:t>
+              <a:t>11/10/2018</a:t>
             </a:fld>
             <a:endParaRPr lang="en-US"/>
           </a:p>
@@ -1168,7 +1169,7 @@
           <a:p>
             <a:fld id="{78C97017-6FC3-485B-9764-EAC9E56C1D49}" type="datetimeFigureOut">
               <a:rPr lang="en-US" smtClean="0"/>
-              <a:t>10/23/18</a:t>
+              <a:t>11/10/2018</a:t>
             </a:fld>
             <a:endParaRPr lang="en-US"/>
           </a:p>
@@ -1413,7 +1414,7 @@
           <a:p>
             <a:fld id="{78C97017-6FC3-485B-9764-EAC9E56C1D49}" type="datetimeFigureOut">
               <a:rPr lang="en-US" smtClean="0"/>
-              <a:t>10/23/18</a:t>
+              <a:t>11/10/2018</a:t>
             </a:fld>
             <a:endParaRPr lang="en-US"/>
           </a:p>
@@ -1698,7 +1699,7 @@
           <a:p>
             <a:fld id="{78C97017-6FC3-485B-9764-EAC9E56C1D49}" type="datetimeFigureOut">
               <a:rPr lang="en-US" smtClean="0"/>
-              <a:t>10/23/18</a:t>
+              <a:t>11/10/2018</a:t>
             </a:fld>
             <a:endParaRPr lang="en-US"/>
           </a:p>
@@ -2117,7 +2118,7 @@
           <a:p>
             <a:fld id="{78C97017-6FC3-485B-9764-EAC9E56C1D49}" type="datetimeFigureOut">
               <a:rPr lang="en-US" smtClean="0"/>
-              <a:t>10/23/18</a:t>
+              <a:t>11/10/2018</a:t>
             </a:fld>
             <a:endParaRPr lang="en-US"/>
           </a:p>
@@ -2234,7 +2235,7 @@
           <a:p>
             <a:fld id="{78C97017-6FC3-485B-9764-EAC9E56C1D49}" type="datetimeFigureOut">
               <a:rPr lang="en-US" smtClean="0"/>
-              <a:t>10/23/18</a:t>
+              <a:t>11/10/2018</a:t>
             </a:fld>
             <a:endParaRPr lang="en-US"/>
           </a:p>
@@ -2329,7 +2330,7 @@
           <a:p>
             <a:fld id="{78C97017-6FC3-485B-9764-EAC9E56C1D49}" type="datetimeFigureOut">
               <a:rPr lang="en-US" smtClean="0"/>
-              <a:t>10/23/18</a:t>
+              <a:t>11/10/2018</a:t>
             </a:fld>
             <a:endParaRPr lang="en-US"/>
           </a:p>
@@ -2604,7 +2605,7 @@
           <a:p>
             <a:fld id="{78C97017-6FC3-485B-9764-EAC9E56C1D49}" type="datetimeFigureOut">
               <a:rPr lang="en-US" smtClean="0"/>
-              <a:t>10/23/18</a:t>
+              <a:t>11/10/2018</a:t>
             </a:fld>
             <a:endParaRPr lang="en-US"/>
           </a:p>
@@ -2856,7 +2857,7 @@
           <a:p>
             <a:fld id="{78C97017-6FC3-485B-9764-EAC9E56C1D49}" type="datetimeFigureOut">
               <a:rPr lang="en-US" smtClean="0"/>
-              <a:t>10/23/18</a:t>
+              <a:t>11/10/2018</a:t>
             </a:fld>
             <a:endParaRPr lang="en-US"/>
           </a:p>
@@ -3067,7 +3068,7 @@
           <a:p>
             <a:fld id="{78C97017-6FC3-485B-9764-EAC9E56C1D49}" type="datetimeFigureOut">
               <a:rPr lang="en-US" smtClean="0"/>
-              <a:t>10/23/18</a:t>
+              <a:t>11/10/2018</a:t>
             </a:fld>
             <a:endParaRPr lang="en-US"/>
           </a:p>
@@ -5794,6 +5795,1631 @@
     <p:extLst>
       <p:ext uri="{BB962C8B-B14F-4D97-AF65-F5344CB8AC3E}">
         <p14:creationId xmlns:p14="http://schemas.microsoft.com/office/powerpoint/2010/main" val="2396968029"/>
+      </p:ext>
+    </p:extLst>
+  </p:cSld>
+  <p:clrMapOvr>
+    <a:masterClrMapping/>
+  </p:clrMapOvr>
+</p:sld>
+</file>
+
+<file path=ppt/slides/slide2.xml><?xml version="1.0" encoding="utf-8"?>
+<p:sld xmlns:a="http://schemas.openxmlformats.org/drawingml/2006/main" xmlns:r="http://schemas.openxmlformats.org/officeDocument/2006/relationships" xmlns:p="http://schemas.openxmlformats.org/presentationml/2006/main">
+  <p:cSld>
+    <p:spTree>
+      <p:nvGrpSpPr>
+        <p:cNvPr id="1" name=""/>
+        <p:cNvGrpSpPr/>
+        <p:nvPr/>
+      </p:nvGrpSpPr>
+      <p:grpSpPr>
+        <a:xfrm>
+          <a:off x="0" y="0"/>
+          <a:ext cx="0" cy="0"/>
+          <a:chOff x="0" y="0"/>
+          <a:chExt cx="0" cy="0"/>
+        </a:xfrm>
+      </p:grpSpPr>
+      <p:cxnSp>
+        <p:nvCxnSpPr>
+          <p:cNvPr id="95" name="Elbow Connector 63">
+            <a:extLst>
+              <a:ext uri="{FF2B5EF4-FFF2-40B4-BE49-F238E27FC236}">
+                <a16:creationId xmlns:a16="http://schemas.microsoft.com/office/drawing/2014/main" id="{FA8553AE-4B5E-4E62-8286-19742DF670C4}"/>
+              </a:ext>
+            </a:extLst>
+          </p:cNvPr>
+          <p:cNvCxnSpPr>
+            <a:cxnSpLocks/>
+          </p:cNvCxnSpPr>
+          <p:nvPr/>
+        </p:nvCxnSpPr>
+        <p:spPr>
+          <a:xfrm flipV="1">
+            <a:off x="3630769" y="3203689"/>
+            <a:ext cx="1616615" cy="382560"/>
+          </a:xfrm>
+          <a:prstGeom prst="bentConnector3">
+            <a:avLst>
+              <a:gd name="adj1" fmla="val 45059"/>
+            </a:avLst>
+          </a:prstGeom>
+          <a:ln w="19050">
+            <a:solidFill>
+              <a:srgbClr val="7030A0"/>
+            </a:solidFill>
+            <a:prstDash val="sysDot"/>
+            <a:headEnd type="none" w="med" len="med"/>
+            <a:tailEnd type="none" w="med" len="med"/>
+          </a:ln>
+          <a:effectLst/>
+        </p:spPr>
+        <p:style>
+          <a:lnRef idx="1">
+            <a:schemeClr val="accent2"/>
+          </a:lnRef>
+          <a:fillRef idx="2">
+            <a:schemeClr val="accent2"/>
+          </a:fillRef>
+          <a:effectRef idx="1">
+            <a:schemeClr val="accent2"/>
+          </a:effectRef>
+          <a:fontRef idx="minor">
+            <a:schemeClr val="dk1"/>
+          </a:fontRef>
+        </p:style>
+      </p:cxnSp>
+      <p:sp>
+        <p:nvSpPr>
+          <p:cNvPr id="100" name="Rectangle 8"/>
+          <p:cNvSpPr/>
+          <p:nvPr/>
+        </p:nvSpPr>
+        <p:spPr>
+          <a:xfrm>
+            <a:off x="410999" y="421512"/>
+            <a:ext cx="1443661" cy="364396"/>
+          </a:xfrm>
+          <a:prstGeom prst="rect">
+            <a:avLst/>
+          </a:prstGeom>
+          <a:ln w="19050">
+            <a:solidFill>
+              <a:srgbClr val="7030A0"/>
+            </a:solidFill>
+          </a:ln>
+          <a:effectLst/>
+        </p:spPr>
+        <p:style>
+          <a:lnRef idx="1">
+            <a:schemeClr val="accent4"/>
+          </a:lnRef>
+          <a:fillRef idx="2">
+            <a:schemeClr val="accent4"/>
+          </a:fillRef>
+          <a:effectRef idx="1">
+            <a:schemeClr val="accent4"/>
+          </a:effectRef>
+          <a:fontRef idx="minor">
+            <a:schemeClr val="dk1"/>
+          </a:fontRef>
+        </p:style>
+        <p:txBody>
+          <a:bodyPr rtlCol="0" anchor="ctr"/>
+          <a:lstStyle/>
+          <a:p>
+            <a:pPr algn="ctr"/>
+            <a:r>
+              <a:rPr lang="en-US" sz="1050" dirty="0">
+                <a:solidFill>
+                  <a:srgbClr val="7030A0"/>
+                </a:solidFill>
+              </a:rPr>
+              <a:t>{abstract}</a:t>
+            </a:r>
+            <a:br>
+              <a:rPr lang="en-US" sz="1050" dirty="0">
+                <a:solidFill>
+                  <a:srgbClr val="7030A0"/>
+                </a:solidFill>
+              </a:rPr>
+            </a:br>
+            <a:r>
+              <a:rPr lang="en-US" sz="1050" dirty="0">
+                <a:solidFill>
+                  <a:srgbClr val="7030A0"/>
+                </a:solidFill>
+              </a:rPr>
+              <a:t>command</a:t>
+            </a:r>
+            <a:endParaRPr lang="en-SG" sz="1050" dirty="0">
+              <a:solidFill>
+                <a:srgbClr val="7030A0"/>
+              </a:solidFill>
+            </a:endParaRPr>
+          </a:p>
+        </p:txBody>
+      </p:sp>
+      <p:sp>
+        <p:nvSpPr>
+          <p:cNvPr id="57" name="Isosceles Triangle 102">
+            <a:extLst>
+              <a:ext uri="{FF2B5EF4-FFF2-40B4-BE49-F238E27FC236}">
+                <a16:creationId xmlns:a16="http://schemas.microsoft.com/office/drawing/2014/main" id="{0DD641D4-5E0D-4018-A7A5-FDF383D0F89F}"/>
+              </a:ext>
+            </a:extLst>
+          </p:cNvPr>
+          <p:cNvSpPr/>
+          <p:nvPr/>
+        </p:nvSpPr>
+        <p:spPr>
+          <a:xfrm>
+            <a:off x="997322" y="785908"/>
+            <a:ext cx="271014" cy="216842"/>
+          </a:xfrm>
+          <a:prstGeom prst="triangle">
+            <a:avLst>
+              <a:gd name="adj" fmla="val 44517"/>
+            </a:avLst>
+          </a:prstGeom>
+          <a:solidFill>
+            <a:schemeClr val="accent4">
+              <a:lumMod val="20000"/>
+              <a:lumOff val="80000"/>
+            </a:schemeClr>
+          </a:solidFill>
+          <a:ln w="19050">
+            <a:solidFill>
+              <a:srgbClr val="7030A0"/>
+            </a:solidFill>
+          </a:ln>
+          <a:effectLst/>
+        </p:spPr>
+        <p:style>
+          <a:lnRef idx="1">
+            <a:schemeClr val="accent6"/>
+          </a:lnRef>
+          <a:fillRef idx="2">
+            <a:schemeClr val="accent6"/>
+          </a:fillRef>
+          <a:effectRef idx="1">
+            <a:schemeClr val="accent6"/>
+          </a:effectRef>
+          <a:fontRef idx="minor">
+            <a:schemeClr val="dk1"/>
+          </a:fontRef>
+        </p:style>
+        <p:txBody>
+          <a:bodyPr rtlCol="0" anchor="ctr"/>
+          <a:lstStyle/>
+          <a:p>
+            <a:pPr algn="ctr"/>
+            <a:endParaRPr lang="en-SG" sz="1050"/>
+          </a:p>
+        </p:txBody>
+      </p:sp>
+      <p:cxnSp>
+        <p:nvCxnSpPr>
+          <p:cNvPr id="67" name="Elbow Connector 63">
+            <a:extLst>
+              <a:ext uri="{FF2B5EF4-FFF2-40B4-BE49-F238E27FC236}">
+                <a16:creationId xmlns:a16="http://schemas.microsoft.com/office/drawing/2014/main" id="{5AB84FEB-2FE6-4ABC-B03F-C8189B23FC27}"/>
+              </a:ext>
+            </a:extLst>
+          </p:cNvPr>
+          <p:cNvCxnSpPr>
+            <a:cxnSpLocks/>
+          </p:cNvCxnSpPr>
+          <p:nvPr/>
+        </p:nvCxnSpPr>
+        <p:spPr>
+          <a:xfrm rot="16200000" flipH="1">
+            <a:off x="1117230" y="1018349"/>
+            <a:ext cx="409362" cy="378164"/>
+          </a:xfrm>
+          <a:prstGeom prst="bentConnector3">
+            <a:avLst>
+              <a:gd name="adj1" fmla="val 50000"/>
+            </a:avLst>
+          </a:prstGeom>
+          <a:ln w="19050">
+            <a:solidFill>
+              <a:srgbClr val="7030A0"/>
+            </a:solidFill>
+            <a:prstDash val="sysDot"/>
+            <a:headEnd type="none" w="med" len="med"/>
+            <a:tailEnd type="none" w="med" len="med"/>
+          </a:ln>
+          <a:effectLst/>
+        </p:spPr>
+        <p:style>
+          <a:lnRef idx="1">
+            <a:schemeClr val="accent2"/>
+          </a:lnRef>
+          <a:fillRef idx="2">
+            <a:schemeClr val="accent2"/>
+          </a:fillRef>
+          <a:effectRef idx="1">
+            <a:schemeClr val="accent2"/>
+          </a:effectRef>
+          <a:fontRef idx="minor">
+            <a:schemeClr val="dk1"/>
+          </a:fontRef>
+        </p:style>
+      </p:cxnSp>
+      <p:sp>
+        <p:nvSpPr>
+          <p:cNvPr id="71" name="Rectangle 8">
+            <a:extLst>
+              <a:ext uri="{FF2B5EF4-FFF2-40B4-BE49-F238E27FC236}">
+                <a16:creationId xmlns:a16="http://schemas.microsoft.com/office/drawing/2014/main" id="{E97DB873-6884-4DF8-9737-48DAB26873D0}"/>
+              </a:ext>
+            </a:extLst>
+          </p:cNvPr>
+          <p:cNvSpPr/>
+          <p:nvPr/>
+        </p:nvSpPr>
+        <p:spPr>
+          <a:xfrm>
+            <a:off x="774366" y="1367144"/>
+            <a:ext cx="2684633" cy="3397757"/>
+          </a:xfrm>
+          <a:prstGeom prst="rect">
+            <a:avLst/>
+          </a:prstGeom>
+          <a:ln w="19050">
+            <a:solidFill>
+              <a:srgbClr val="7030A0"/>
+            </a:solidFill>
+          </a:ln>
+          <a:effectLst/>
+        </p:spPr>
+        <p:style>
+          <a:lnRef idx="1">
+            <a:schemeClr val="accent4"/>
+          </a:lnRef>
+          <a:fillRef idx="2">
+            <a:schemeClr val="accent4"/>
+          </a:fillRef>
+          <a:effectRef idx="1">
+            <a:schemeClr val="accent4"/>
+          </a:effectRef>
+          <a:fontRef idx="minor">
+            <a:schemeClr val="dk1"/>
+          </a:fontRef>
+        </p:style>
+        <p:txBody>
+          <a:bodyPr rtlCol="0" anchor="t" anchorCtr="0"/>
+          <a:lstStyle/>
+          <a:p>
+            <a:pPr algn="ctr"/>
+            <a:r>
+              <a:rPr lang="en-US" sz="1050" dirty="0">
+                <a:solidFill>
+                  <a:srgbClr val="7030A0"/>
+                </a:solidFill>
+              </a:rPr>
+              <a:t>{abstract}</a:t>
+            </a:r>
+            <a:br>
+              <a:rPr lang="en-US" sz="1050" dirty="0">
+                <a:solidFill>
+                  <a:srgbClr val="7030A0"/>
+                </a:solidFill>
+              </a:rPr>
+            </a:br>
+            <a:r>
+              <a:rPr lang="en-US" sz="1050" dirty="0" err="1">
+                <a:solidFill>
+                  <a:srgbClr val="7030A0"/>
+                </a:solidFill>
+              </a:rPr>
+              <a:t>downloadAbstract</a:t>
+            </a:r>
+            <a:endParaRPr lang="en-US" sz="1050" dirty="0">
+              <a:solidFill>
+                <a:srgbClr val="7030A0"/>
+              </a:solidFill>
+            </a:endParaRPr>
+          </a:p>
+          <a:p>
+            <a:pPr algn="ctr"/>
+            <a:endParaRPr lang="en-US" sz="1050" dirty="0">
+              <a:solidFill>
+                <a:srgbClr val="7030A0"/>
+              </a:solidFill>
+            </a:endParaRPr>
+          </a:p>
+          <a:p>
+            <a:pPr algn="ctr"/>
+            <a:r>
+              <a:rPr lang="en-US" sz="1050" dirty="0">
+                <a:solidFill>
+                  <a:srgbClr val="7030A0"/>
+                </a:solidFill>
+              </a:rPr>
+              <a:t>#username: String</a:t>
+            </a:r>
+          </a:p>
+          <a:p>
+            <a:pPr algn="ctr"/>
+            <a:r>
+              <a:rPr lang="en-US" sz="1050" dirty="0">
+                <a:solidFill>
+                  <a:srgbClr val="7030A0"/>
+                </a:solidFill>
+              </a:rPr>
+              <a:t>#password: String</a:t>
+            </a:r>
+          </a:p>
+          <a:p>
+            <a:pPr algn="ctr"/>
+            <a:r>
+              <a:rPr lang="en-US" sz="1050" dirty="0">
+                <a:solidFill>
+                  <a:srgbClr val="7030A0"/>
+                </a:solidFill>
+              </a:rPr>
+              <a:t>#</a:t>
+            </a:r>
+            <a:r>
+              <a:rPr lang="en-US" sz="1050" dirty="0" err="1">
+                <a:solidFill>
+                  <a:srgbClr val="7030A0"/>
+                </a:solidFill>
+              </a:rPr>
+              <a:t>moduleCode</a:t>
+            </a:r>
+            <a:r>
+              <a:rPr lang="en-US" sz="1050" dirty="0">
+                <a:solidFill>
+                  <a:srgbClr val="7030A0"/>
+                </a:solidFill>
+              </a:rPr>
+              <a:t>: String</a:t>
+            </a:r>
+          </a:p>
+          <a:p>
+            <a:pPr algn="ctr"/>
+            <a:r>
+              <a:rPr lang="en-US" sz="1050" dirty="0">
+                <a:solidFill>
+                  <a:srgbClr val="7030A0"/>
+                </a:solidFill>
+              </a:rPr>
+              <a:t>#</a:t>
+            </a:r>
+            <a:r>
+              <a:rPr lang="en-US" sz="1050" dirty="0" err="1">
+                <a:solidFill>
+                  <a:srgbClr val="7030A0"/>
+                </a:solidFill>
+              </a:rPr>
+              <a:t>currentDirectoryPath</a:t>
+            </a:r>
+            <a:r>
+              <a:rPr lang="en-US" sz="1050" dirty="0">
+                <a:solidFill>
+                  <a:srgbClr val="7030A0"/>
+                </a:solidFill>
+              </a:rPr>
+              <a:t>: String</a:t>
+            </a:r>
+          </a:p>
+          <a:p>
+            <a:pPr algn="ctr"/>
+            <a:r>
+              <a:rPr lang="en-US" sz="1050" dirty="0">
+                <a:solidFill>
+                  <a:srgbClr val="7030A0"/>
+                </a:solidFill>
+              </a:rPr>
+              <a:t>#</a:t>
+            </a:r>
+            <a:r>
+              <a:rPr lang="en-US" sz="1050" dirty="0" err="1">
+                <a:solidFill>
+                  <a:srgbClr val="7030A0"/>
+                </a:solidFill>
+              </a:rPr>
+              <a:t>downloadPath</a:t>
+            </a:r>
+            <a:r>
+              <a:rPr lang="en-US" sz="1050" dirty="0">
+                <a:solidFill>
+                  <a:srgbClr val="7030A0"/>
+                </a:solidFill>
+              </a:rPr>
+              <a:t>: String</a:t>
+            </a:r>
+          </a:p>
+          <a:p>
+            <a:pPr algn="ctr"/>
+            <a:r>
+              <a:rPr lang="en-US" sz="1050" dirty="0">
+                <a:solidFill>
+                  <a:srgbClr val="7030A0"/>
+                </a:solidFill>
+              </a:rPr>
+              <a:t>#</a:t>
+            </a:r>
+            <a:r>
+              <a:rPr lang="en-US" sz="1050" dirty="0" err="1">
+                <a:solidFill>
+                  <a:srgbClr val="7030A0"/>
+                </a:solidFill>
+              </a:rPr>
+              <a:t>isDownloadDisabled</a:t>
+            </a:r>
+            <a:r>
+              <a:rPr lang="en-US" sz="1050" dirty="0">
+                <a:solidFill>
+                  <a:srgbClr val="7030A0"/>
+                </a:solidFill>
+              </a:rPr>
+              <a:t>: Boolean</a:t>
+            </a:r>
+          </a:p>
+          <a:p>
+            <a:pPr algn="ctr"/>
+            <a:endParaRPr lang="en-US" sz="1050" dirty="0">
+              <a:solidFill>
+                <a:srgbClr val="7030A0"/>
+              </a:solidFill>
+            </a:endParaRPr>
+          </a:p>
+          <a:p>
+            <a:pPr algn="ctr"/>
+            <a:r>
+              <a:rPr lang="en-US" sz="1050" dirty="0">
+                <a:solidFill>
+                  <a:srgbClr val="7030A0"/>
+                </a:solidFill>
+              </a:rPr>
+              <a:t>#</a:t>
+            </a:r>
+            <a:r>
+              <a:rPr lang="en-US" sz="1050" dirty="0" err="1">
+                <a:solidFill>
+                  <a:srgbClr val="7030A0"/>
+                </a:solidFill>
+              </a:rPr>
+              <a:t>extractFilesFromJar</a:t>
+            </a:r>
+            <a:r>
+              <a:rPr lang="en-US" sz="1050" dirty="0">
+                <a:solidFill>
+                  <a:srgbClr val="7030A0"/>
+                </a:solidFill>
+              </a:rPr>
+              <a:t>() : void</a:t>
+            </a:r>
+          </a:p>
+          <a:p>
+            <a:pPr algn="ctr"/>
+            <a:r>
+              <a:rPr lang="en-US" sz="1050" dirty="0">
+                <a:solidFill>
+                  <a:srgbClr val="7030A0"/>
+                </a:solidFill>
+              </a:rPr>
+              <a:t>#</a:t>
+            </a:r>
+            <a:r>
+              <a:rPr lang="en-US" sz="1050" dirty="0" err="1">
+                <a:solidFill>
+                  <a:srgbClr val="7030A0"/>
+                </a:solidFill>
+              </a:rPr>
+              <a:t>initializeChromeDriverPaths</a:t>
+            </a:r>
+            <a:r>
+              <a:rPr lang="en-US" sz="1050" dirty="0">
+                <a:solidFill>
+                  <a:srgbClr val="7030A0"/>
+                </a:solidFill>
+              </a:rPr>
+              <a:t>(): void</a:t>
+            </a:r>
+          </a:p>
+          <a:p>
+            <a:pPr algn="ctr"/>
+            <a:r>
+              <a:rPr lang="en-US" sz="1050" dirty="0">
+                <a:solidFill>
+                  <a:srgbClr val="7030A0"/>
+                </a:solidFill>
+              </a:rPr>
+              <a:t>#</a:t>
+            </a:r>
+            <a:r>
+              <a:rPr lang="en-US" sz="1050" dirty="0" err="1">
+                <a:solidFill>
+                  <a:srgbClr val="7030A0"/>
+                </a:solidFill>
+              </a:rPr>
+              <a:t>initializeWebDriver</a:t>
+            </a:r>
+            <a:r>
+              <a:rPr lang="en-US" sz="1050" dirty="0">
+                <a:solidFill>
+                  <a:srgbClr val="7030A0"/>
+                </a:solidFill>
+              </a:rPr>
+              <a:t>(): void</a:t>
+            </a:r>
+          </a:p>
+          <a:p>
+            <a:pPr algn="ctr"/>
+            <a:r>
+              <a:rPr lang="en-US" sz="1050" dirty="0">
+                <a:solidFill>
+                  <a:srgbClr val="7030A0"/>
+                </a:solidFill>
+              </a:rPr>
+              <a:t>#</a:t>
+            </a:r>
+            <a:r>
+              <a:rPr lang="en-US" sz="1050" dirty="0" err="1">
+                <a:solidFill>
+                  <a:srgbClr val="7030A0"/>
+                </a:solidFill>
+              </a:rPr>
+              <a:t>isModuleExisting</a:t>
+            </a:r>
+            <a:r>
+              <a:rPr lang="en-US" sz="1050" dirty="0">
+                <a:solidFill>
+                  <a:srgbClr val="7030A0"/>
+                </a:solidFill>
+              </a:rPr>
+              <a:t>(WebDriver): Boolean</a:t>
+            </a:r>
+          </a:p>
+          <a:p>
+            <a:pPr algn="ctr"/>
+            <a:r>
+              <a:rPr lang="en-US" sz="1050" dirty="0">
+                <a:solidFill>
+                  <a:srgbClr val="7030A0"/>
+                </a:solidFill>
+              </a:rPr>
+              <a:t>#</a:t>
+            </a:r>
+            <a:r>
+              <a:rPr lang="en-US" sz="1050" dirty="0" err="1">
+                <a:solidFill>
+                  <a:srgbClr val="7030A0"/>
+                </a:solidFill>
+              </a:rPr>
+              <a:t>isModuleMatching</a:t>
+            </a:r>
+            <a:r>
+              <a:rPr lang="en-US" sz="1050" dirty="0">
+                <a:solidFill>
+                  <a:srgbClr val="7030A0"/>
+                </a:solidFill>
+              </a:rPr>
+              <a:t>(String): Boolean</a:t>
+            </a:r>
+          </a:p>
+          <a:p>
+            <a:pPr algn="ctr"/>
+            <a:r>
+              <a:rPr lang="en-US" sz="1050" dirty="0">
+                <a:solidFill>
+                  <a:srgbClr val="7030A0"/>
+                </a:solidFill>
+              </a:rPr>
+              <a:t>#</a:t>
+            </a:r>
+            <a:r>
+              <a:rPr lang="en-US" sz="1050" dirty="0" err="1">
+                <a:solidFill>
+                  <a:srgbClr val="7030A0"/>
+                </a:solidFill>
+              </a:rPr>
+              <a:t>isLoggedIn</a:t>
+            </a:r>
+            <a:r>
+              <a:rPr lang="en-US" sz="1050" dirty="0">
+                <a:solidFill>
+                  <a:srgbClr val="7030A0"/>
+                </a:solidFill>
+              </a:rPr>
+              <a:t>(WebDriver): Boolean</a:t>
+            </a:r>
+          </a:p>
+          <a:p>
+            <a:pPr algn="ctr"/>
+            <a:r>
+              <a:rPr lang="en-US" sz="1050" dirty="0">
+                <a:solidFill>
+                  <a:srgbClr val="7030A0"/>
+                </a:solidFill>
+              </a:rPr>
+              <a:t>#</a:t>
+            </a:r>
+            <a:r>
+              <a:rPr lang="en-US" sz="1050" dirty="0" err="1">
+                <a:solidFill>
+                  <a:srgbClr val="7030A0"/>
+                </a:solidFill>
+              </a:rPr>
+              <a:t>loginIvle</a:t>
+            </a:r>
+            <a:r>
+              <a:rPr lang="en-US" sz="1050" dirty="0">
+                <a:solidFill>
+                  <a:srgbClr val="7030A0"/>
+                </a:solidFill>
+              </a:rPr>
+              <a:t>(WebDriver): void</a:t>
+            </a:r>
+          </a:p>
+          <a:p>
+            <a:pPr algn="ctr"/>
+            <a:r>
+              <a:rPr lang="en-US" sz="1050" dirty="0">
+                <a:solidFill>
+                  <a:srgbClr val="7030A0"/>
+                </a:solidFill>
+              </a:rPr>
+              <a:t>#</a:t>
+            </a:r>
+            <a:r>
+              <a:rPr lang="en-US" sz="1050" dirty="0" err="1">
+                <a:solidFill>
+                  <a:srgbClr val="7030A0"/>
+                </a:solidFill>
+              </a:rPr>
+              <a:t>downloadFiles</a:t>
+            </a:r>
+            <a:r>
+              <a:rPr lang="en-US" sz="1050" dirty="0">
+                <a:solidFill>
+                  <a:srgbClr val="7030A0"/>
+                </a:solidFill>
+              </a:rPr>
+              <a:t>(WebDriver): void {abstract}</a:t>
+            </a:r>
+          </a:p>
+          <a:p>
+            <a:pPr algn="ctr"/>
+            <a:r>
+              <a:rPr lang="en-US" sz="1050" dirty="0">
+                <a:solidFill>
+                  <a:srgbClr val="7030A0"/>
+                </a:solidFill>
+              </a:rPr>
+              <a:t>#</a:t>
+            </a:r>
+            <a:r>
+              <a:rPr lang="en-US" sz="1050" dirty="0" err="1">
+                <a:solidFill>
+                  <a:srgbClr val="7030A0"/>
+                </a:solidFill>
+              </a:rPr>
+              <a:t>dynamicWaiting</a:t>
+            </a:r>
+            <a:r>
+              <a:rPr lang="en-US" sz="1050" dirty="0">
+                <a:solidFill>
+                  <a:srgbClr val="7030A0"/>
+                </a:solidFill>
+              </a:rPr>
+              <a:t>(): void</a:t>
+            </a:r>
+          </a:p>
+          <a:p>
+            <a:pPr algn="ctr"/>
+            <a:r>
+              <a:rPr lang="en-US" sz="1050" dirty="0">
+                <a:solidFill>
+                  <a:srgbClr val="7030A0"/>
+                </a:solidFill>
+              </a:rPr>
+              <a:t>#</a:t>
+            </a:r>
+            <a:r>
+              <a:rPr lang="en-US" sz="1050" dirty="0" err="1">
+                <a:solidFill>
+                  <a:srgbClr val="7030A0"/>
+                </a:solidFill>
+              </a:rPr>
+              <a:t>initializeDownloadFolder</a:t>
+            </a:r>
+            <a:r>
+              <a:rPr lang="en-US" sz="1050" dirty="0">
+                <a:solidFill>
+                  <a:srgbClr val="7030A0"/>
+                </a:solidFill>
+              </a:rPr>
+              <a:t>(): void</a:t>
+            </a:r>
+          </a:p>
+          <a:p>
+            <a:pPr algn="ctr"/>
+            <a:endParaRPr lang="en-US" sz="1050" dirty="0">
+              <a:solidFill>
+                <a:srgbClr val="7030A0"/>
+              </a:solidFill>
+            </a:endParaRPr>
+          </a:p>
+        </p:txBody>
+      </p:sp>
+      <p:cxnSp>
+        <p:nvCxnSpPr>
+          <p:cNvPr id="6" name="Straight Connector 5">
+            <a:extLst>
+              <a:ext uri="{FF2B5EF4-FFF2-40B4-BE49-F238E27FC236}">
+                <a16:creationId xmlns:a16="http://schemas.microsoft.com/office/drawing/2014/main" id="{C3013767-DCFA-4FD6-A13A-24C5C382E743}"/>
+              </a:ext>
+            </a:extLst>
+          </p:cNvPr>
+          <p:cNvCxnSpPr>
+            <a:cxnSpLocks/>
+          </p:cNvCxnSpPr>
+          <p:nvPr/>
+        </p:nvCxnSpPr>
+        <p:spPr>
+          <a:xfrm>
+            <a:off x="786441" y="1793112"/>
+            <a:ext cx="2672558" cy="0"/>
+          </a:xfrm>
+          <a:prstGeom prst="line">
+            <a:avLst/>
+          </a:prstGeom>
+        </p:spPr>
+        <p:style>
+          <a:lnRef idx="1">
+            <a:schemeClr val="accent4"/>
+          </a:lnRef>
+          <a:fillRef idx="0">
+            <a:schemeClr val="accent4"/>
+          </a:fillRef>
+          <a:effectRef idx="0">
+            <a:schemeClr val="accent4"/>
+          </a:effectRef>
+          <a:fontRef idx="minor">
+            <a:schemeClr val="tx1"/>
+          </a:fontRef>
+        </p:style>
+      </p:cxnSp>
+      <p:cxnSp>
+        <p:nvCxnSpPr>
+          <p:cNvPr id="72" name="Straight Connector 71">
+            <a:extLst>
+              <a:ext uri="{FF2B5EF4-FFF2-40B4-BE49-F238E27FC236}">
+                <a16:creationId xmlns:a16="http://schemas.microsoft.com/office/drawing/2014/main" id="{15FC0C90-F633-48C3-9FC7-EC8ACFB7CA02}"/>
+              </a:ext>
+            </a:extLst>
+          </p:cNvPr>
+          <p:cNvCxnSpPr>
+            <a:cxnSpLocks/>
+          </p:cNvCxnSpPr>
+          <p:nvPr/>
+        </p:nvCxnSpPr>
+        <p:spPr>
+          <a:xfrm>
+            <a:off x="769829" y="2936112"/>
+            <a:ext cx="2697001" cy="0"/>
+          </a:xfrm>
+          <a:prstGeom prst="line">
+            <a:avLst/>
+          </a:prstGeom>
+        </p:spPr>
+        <p:style>
+          <a:lnRef idx="1">
+            <a:schemeClr val="accent4"/>
+          </a:lnRef>
+          <a:fillRef idx="0">
+            <a:schemeClr val="accent4"/>
+          </a:fillRef>
+          <a:effectRef idx="0">
+            <a:schemeClr val="accent4"/>
+          </a:effectRef>
+          <a:fontRef idx="minor">
+            <a:schemeClr val="tx1"/>
+          </a:fontRef>
+        </p:style>
+      </p:cxnSp>
+      <p:sp>
+        <p:nvSpPr>
+          <p:cNvPr id="73" name="Isosceles Triangle 102">
+            <a:extLst>
+              <a:ext uri="{FF2B5EF4-FFF2-40B4-BE49-F238E27FC236}">
+                <a16:creationId xmlns:a16="http://schemas.microsoft.com/office/drawing/2014/main" id="{42BA6344-935C-47A2-9097-33754A9B17DF}"/>
+              </a:ext>
+            </a:extLst>
+          </p:cNvPr>
+          <p:cNvSpPr/>
+          <p:nvPr/>
+        </p:nvSpPr>
+        <p:spPr>
+          <a:xfrm rot="16200000">
+            <a:off x="3439744" y="1978778"/>
+            <a:ext cx="271014" cy="216842"/>
+          </a:xfrm>
+          <a:prstGeom prst="triangle">
+            <a:avLst>
+              <a:gd name="adj" fmla="val 44517"/>
+            </a:avLst>
+          </a:prstGeom>
+          <a:solidFill>
+            <a:schemeClr val="accent4">
+              <a:lumMod val="20000"/>
+              <a:lumOff val="80000"/>
+            </a:schemeClr>
+          </a:solidFill>
+          <a:ln w="19050">
+            <a:solidFill>
+              <a:srgbClr val="7030A0"/>
+            </a:solidFill>
+          </a:ln>
+          <a:effectLst/>
+        </p:spPr>
+        <p:style>
+          <a:lnRef idx="1">
+            <a:schemeClr val="accent6"/>
+          </a:lnRef>
+          <a:fillRef idx="2">
+            <a:schemeClr val="accent6"/>
+          </a:fillRef>
+          <a:effectRef idx="1">
+            <a:schemeClr val="accent6"/>
+          </a:effectRef>
+          <a:fontRef idx="minor">
+            <a:schemeClr val="dk1"/>
+          </a:fontRef>
+        </p:style>
+        <p:txBody>
+          <a:bodyPr rtlCol="0" anchor="ctr"/>
+          <a:lstStyle/>
+          <a:p>
+            <a:pPr algn="ctr"/>
+            <a:endParaRPr lang="en-SG" sz="1050"/>
+          </a:p>
+        </p:txBody>
+      </p:sp>
+      <p:cxnSp>
+        <p:nvCxnSpPr>
+          <p:cNvPr id="77" name="Elbow Connector 63">
+            <a:extLst>
+              <a:ext uri="{FF2B5EF4-FFF2-40B4-BE49-F238E27FC236}">
+                <a16:creationId xmlns:a16="http://schemas.microsoft.com/office/drawing/2014/main" id="{5CC0ED49-FE92-4ADF-AE24-4D8CEB39C85B}"/>
+              </a:ext>
+            </a:extLst>
+          </p:cNvPr>
+          <p:cNvCxnSpPr>
+            <a:cxnSpLocks/>
+            <a:stCxn id="73" idx="3"/>
+          </p:cNvCxnSpPr>
+          <p:nvPr/>
+        </p:nvCxnSpPr>
+        <p:spPr>
+          <a:xfrm flipV="1">
+            <a:off x="3683672" y="1719499"/>
+            <a:ext cx="1616615" cy="382560"/>
+          </a:xfrm>
+          <a:prstGeom prst="bentConnector3">
+            <a:avLst>
+              <a:gd name="adj1" fmla="val 50001"/>
+            </a:avLst>
+          </a:prstGeom>
+          <a:ln w="19050">
+            <a:solidFill>
+              <a:srgbClr val="7030A0"/>
+            </a:solidFill>
+            <a:prstDash val="sysDot"/>
+            <a:headEnd type="none" w="med" len="med"/>
+            <a:tailEnd type="none" w="med" len="med"/>
+          </a:ln>
+          <a:effectLst/>
+        </p:spPr>
+        <p:style>
+          <a:lnRef idx="1">
+            <a:schemeClr val="accent2"/>
+          </a:lnRef>
+          <a:fillRef idx="2">
+            <a:schemeClr val="accent2"/>
+          </a:fillRef>
+          <a:effectRef idx="1">
+            <a:schemeClr val="accent2"/>
+          </a:effectRef>
+          <a:fontRef idx="minor">
+            <a:schemeClr val="dk1"/>
+          </a:fontRef>
+        </p:style>
+      </p:cxnSp>
+      <p:sp>
+        <p:nvSpPr>
+          <p:cNvPr id="87" name="Rectangle 8">
+            <a:extLst>
+              <a:ext uri="{FF2B5EF4-FFF2-40B4-BE49-F238E27FC236}">
+                <a16:creationId xmlns:a16="http://schemas.microsoft.com/office/drawing/2014/main" id="{D1751E24-E5A7-46B9-9C7F-5841BFF3A924}"/>
+              </a:ext>
+            </a:extLst>
+          </p:cNvPr>
+          <p:cNvSpPr/>
+          <p:nvPr/>
+        </p:nvSpPr>
+        <p:spPr>
+          <a:xfrm>
+            <a:off x="4336503" y="576851"/>
+            <a:ext cx="2697000" cy="1216261"/>
+          </a:xfrm>
+          <a:prstGeom prst="rect">
+            <a:avLst/>
+          </a:prstGeom>
+          <a:ln w="19050">
+            <a:solidFill>
+              <a:srgbClr val="7030A0"/>
+            </a:solidFill>
+          </a:ln>
+          <a:effectLst/>
+        </p:spPr>
+        <p:style>
+          <a:lnRef idx="1">
+            <a:schemeClr val="accent4"/>
+          </a:lnRef>
+          <a:fillRef idx="2">
+            <a:schemeClr val="accent4"/>
+          </a:fillRef>
+          <a:effectRef idx="1">
+            <a:schemeClr val="accent4"/>
+          </a:effectRef>
+          <a:fontRef idx="minor">
+            <a:schemeClr val="dk1"/>
+          </a:fontRef>
+        </p:style>
+        <p:txBody>
+          <a:bodyPr rtlCol="0" anchor="t" anchorCtr="0"/>
+          <a:lstStyle/>
+          <a:p>
+            <a:pPr algn="ctr"/>
+            <a:r>
+              <a:rPr lang="en-US" sz="1050" dirty="0" err="1">
+                <a:solidFill>
+                  <a:srgbClr val="7030A0"/>
+                </a:solidFill>
+              </a:rPr>
+              <a:t>DownloadAllNotes</a:t>
+            </a:r>
+            <a:endParaRPr lang="en-US" sz="1050" dirty="0">
+              <a:solidFill>
+                <a:srgbClr val="7030A0"/>
+              </a:solidFill>
+            </a:endParaRPr>
+          </a:p>
+          <a:p>
+            <a:pPr algn="ctr"/>
+            <a:endParaRPr lang="en-US" sz="1050" dirty="0">
+              <a:solidFill>
+                <a:srgbClr val="7030A0"/>
+              </a:solidFill>
+            </a:endParaRPr>
+          </a:p>
+          <a:p>
+            <a:pPr algn="ctr"/>
+            <a:endParaRPr lang="en-US" sz="1050" dirty="0">
+              <a:solidFill>
+                <a:srgbClr val="7030A0"/>
+              </a:solidFill>
+            </a:endParaRPr>
+          </a:p>
+          <a:p>
+            <a:pPr algn="ctr"/>
+            <a:endParaRPr lang="en-US" sz="1050" dirty="0">
+              <a:solidFill>
+                <a:srgbClr val="7030A0"/>
+              </a:solidFill>
+            </a:endParaRPr>
+          </a:p>
+          <a:p>
+            <a:pPr algn="ctr"/>
+            <a:r>
+              <a:rPr lang="en-US" sz="1050" dirty="0">
+                <a:solidFill>
+                  <a:srgbClr val="7030A0"/>
+                </a:solidFill>
+              </a:rPr>
+              <a:t>+</a:t>
+            </a:r>
+            <a:r>
+              <a:rPr lang="en-US" sz="1050" dirty="0" err="1">
+                <a:solidFill>
+                  <a:srgbClr val="7030A0"/>
+                </a:solidFill>
+              </a:rPr>
+              <a:t>CommandResult</a:t>
+            </a:r>
+            <a:r>
+              <a:rPr lang="en-US" sz="1050" dirty="0">
+                <a:solidFill>
+                  <a:srgbClr val="7030A0"/>
+                </a:solidFill>
+              </a:rPr>
+              <a:t>(</a:t>
+            </a:r>
+            <a:r>
+              <a:rPr lang="en-US" sz="1050" dirty="0" err="1">
+                <a:solidFill>
+                  <a:srgbClr val="7030A0"/>
+                </a:solidFill>
+              </a:rPr>
+              <a:t>Model,CommandHistory</a:t>
+            </a:r>
+            <a:r>
+              <a:rPr lang="en-US" sz="1050" dirty="0">
+                <a:solidFill>
+                  <a:srgbClr val="7030A0"/>
+                </a:solidFill>
+              </a:rPr>
+              <a:t>):</a:t>
+            </a:r>
+          </a:p>
+          <a:p>
+            <a:pPr algn="ctr"/>
+            <a:r>
+              <a:rPr lang="en-US" sz="1050" dirty="0" err="1">
+                <a:solidFill>
+                  <a:srgbClr val="7030A0"/>
+                </a:solidFill>
+              </a:rPr>
+              <a:t>CommandResult</a:t>
+            </a:r>
+            <a:endParaRPr lang="en-US" sz="1050" dirty="0">
+              <a:solidFill>
+                <a:srgbClr val="7030A0"/>
+              </a:solidFill>
+            </a:endParaRPr>
+          </a:p>
+          <a:p>
+            <a:pPr algn="ctr"/>
+            <a:r>
+              <a:rPr lang="en-US" sz="1050" dirty="0">
+                <a:solidFill>
+                  <a:srgbClr val="7030A0"/>
+                </a:solidFill>
+              </a:rPr>
+              <a:t>#</a:t>
+            </a:r>
+            <a:r>
+              <a:rPr lang="en-US" sz="1050" dirty="0" err="1">
+                <a:solidFill>
+                  <a:srgbClr val="7030A0"/>
+                </a:solidFill>
+              </a:rPr>
+              <a:t>downloadFiles</a:t>
+            </a:r>
+            <a:r>
+              <a:rPr lang="en-US" sz="1050" dirty="0">
+                <a:solidFill>
+                  <a:srgbClr val="7030A0"/>
+                </a:solidFill>
+              </a:rPr>
+              <a:t>(WebDriver): Void</a:t>
+            </a:r>
+          </a:p>
+          <a:p>
+            <a:pPr algn="ctr"/>
+            <a:endParaRPr lang="en-US" sz="1050" dirty="0">
+              <a:solidFill>
+                <a:srgbClr val="7030A0"/>
+              </a:solidFill>
+            </a:endParaRPr>
+          </a:p>
+          <a:p>
+            <a:pPr algn="ctr"/>
+            <a:endParaRPr lang="en-US" sz="1050" dirty="0">
+              <a:solidFill>
+                <a:srgbClr val="7030A0"/>
+              </a:solidFill>
+            </a:endParaRPr>
+          </a:p>
+          <a:p>
+            <a:pPr algn="ctr"/>
+            <a:endParaRPr lang="en-SG" sz="1050" dirty="0">
+              <a:solidFill>
+                <a:srgbClr val="7030A0"/>
+              </a:solidFill>
+            </a:endParaRPr>
+          </a:p>
+        </p:txBody>
+      </p:sp>
+      <p:cxnSp>
+        <p:nvCxnSpPr>
+          <p:cNvPr id="88" name="Straight Connector 87">
+            <a:extLst>
+              <a:ext uri="{FF2B5EF4-FFF2-40B4-BE49-F238E27FC236}">
+                <a16:creationId xmlns:a16="http://schemas.microsoft.com/office/drawing/2014/main" id="{91460DFB-30D7-4FA3-A567-A4D1B7FDE2A3}"/>
+              </a:ext>
+            </a:extLst>
+          </p:cNvPr>
+          <p:cNvCxnSpPr>
+            <a:cxnSpLocks/>
+          </p:cNvCxnSpPr>
+          <p:nvPr/>
+        </p:nvCxnSpPr>
+        <p:spPr>
+          <a:xfrm>
+            <a:off x="4336503" y="1184981"/>
+            <a:ext cx="2697000" cy="0"/>
+          </a:xfrm>
+          <a:prstGeom prst="line">
+            <a:avLst/>
+          </a:prstGeom>
+        </p:spPr>
+        <p:style>
+          <a:lnRef idx="1">
+            <a:schemeClr val="accent4"/>
+          </a:lnRef>
+          <a:fillRef idx="0">
+            <a:schemeClr val="accent4"/>
+          </a:fillRef>
+          <a:effectRef idx="0">
+            <a:schemeClr val="accent4"/>
+          </a:effectRef>
+          <a:fontRef idx="minor">
+            <a:schemeClr val="tx1"/>
+          </a:fontRef>
+        </p:style>
+      </p:cxnSp>
+      <p:cxnSp>
+        <p:nvCxnSpPr>
+          <p:cNvPr id="89" name="Straight Connector 88">
+            <a:extLst>
+              <a:ext uri="{FF2B5EF4-FFF2-40B4-BE49-F238E27FC236}">
+                <a16:creationId xmlns:a16="http://schemas.microsoft.com/office/drawing/2014/main" id="{5A5C0D07-B682-484D-A480-2E18504C428E}"/>
+              </a:ext>
+            </a:extLst>
+          </p:cNvPr>
+          <p:cNvCxnSpPr>
+            <a:cxnSpLocks/>
+          </p:cNvCxnSpPr>
+          <p:nvPr/>
+        </p:nvCxnSpPr>
+        <p:spPr>
+          <a:xfrm>
+            <a:off x="4336503" y="785908"/>
+            <a:ext cx="2697000" cy="0"/>
+          </a:xfrm>
+          <a:prstGeom prst="line">
+            <a:avLst/>
+          </a:prstGeom>
+        </p:spPr>
+        <p:style>
+          <a:lnRef idx="1">
+            <a:schemeClr val="accent4"/>
+          </a:lnRef>
+          <a:fillRef idx="0">
+            <a:schemeClr val="accent4"/>
+          </a:fillRef>
+          <a:effectRef idx="0">
+            <a:schemeClr val="accent4"/>
+          </a:effectRef>
+          <a:fontRef idx="minor">
+            <a:schemeClr val="tx1"/>
+          </a:fontRef>
+        </p:style>
+      </p:cxnSp>
+      <p:sp>
+        <p:nvSpPr>
+          <p:cNvPr id="91" name="Rectangle 8">
+            <a:extLst>
+              <a:ext uri="{FF2B5EF4-FFF2-40B4-BE49-F238E27FC236}">
+                <a16:creationId xmlns:a16="http://schemas.microsoft.com/office/drawing/2014/main" id="{033DAA71-BE3C-45BE-807A-B01892E5E7BF}"/>
+              </a:ext>
+            </a:extLst>
+          </p:cNvPr>
+          <p:cNvSpPr/>
+          <p:nvPr/>
+        </p:nvSpPr>
+        <p:spPr>
+          <a:xfrm>
+            <a:off x="4346120" y="3066023"/>
+            <a:ext cx="2697000" cy="1429778"/>
+          </a:xfrm>
+          <a:prstGeom prst="rect">
+            <a:avLst/>
+          </a:prstGeom>
+          <a:ln w="19050">
+            <a:solidFill>
+              <a:srgbClr val="7030A0"/>
+            </a:solidFill>
+          </a:ln>
+          <a:effectLst/>
+        </p:spPr>
+        <p:style>
+          <a:lnRef idx="1">
+            <a:schemeClr val="accent4"/>
+          </a:lnRef>
+          <a:fillRef idx="2">
+            <a:schemeClr val="accent4"/>
+          </a:fillRef>
+          <a:effectRef idx="1">
+            <a:schemeClr val="accent4"/>
+          </a:effectRef>
+          <a:fontRef idx="minor">
+            <a:schemeClr val="dk1"/>
+          </a:fontRef>
+        </p:style>
+        <p:txBody>
+          <a:bodyPr rtlCol="0" anchor="t" anchorCtr="0"/>
+          <a:lstStyle/>
+          <a:p>
+            <a:pPr algn="ctr"/>
+            <a:r>
+              <a:rPr lang="en-US" sz="1050" dirty="0" err="1">
+                <a:solidFill>
+                  <a:srgbClr val="7030A0"/>
+                </a:solidFill>
+              </a:rPr>
+              <a:t>DownloadSelectNotes</a:t>
+            </a:r>
+            <a:endParaRPr lang="en-US" sz="1050" dirty="0">
+              <a:solidFill>
+                <a:srgbClr val="7030A0"/>
+              </a:solidFill>
+            </a:endParaRPr>
+          </a:p>
+          <a:p>
+            <a:pPr algn="ctr"/>
+            <a:r>
+              <a:rPr lang="en-US" sz="1050" dirty="0">
+                <a:solidFill>
+                  <a:srgbClr val="7030A0"/>
+                </a:solidFill>
+              </a:rPr>
+              <a:t>-</a:t>
+            </a:r>
+            <a:r>
+              <a:rPr lang="en-US" sz="1050" dirty="0" err="1">
+                <a:solidFill>
+                  <a:srgbClr val="7030A0"/>
+                </a:solidFill>
+              </a:rPr>
+              <a:t>fileSelect</a:t>
+            </a:r>
+            <a:r>
+              <a:rPr lang="en-US" sz="1050" dirty="0">
+                <a:solidFill>
+                  <a:srgbClr val="7030A0"/>
+                </a:solidFill>
+              </a:rPr>
+              <a:t>: </a:t>
+            </a:r>
+            <a:r>
+              <a:rPr lang="en-US" sz="1050" dirty="0" err="1">
+                <a:solidFill>
+                  <a:srgbClr val="7030A0"/>
+                </a:solidFill>
+              </a:rPr>
+              <a:t>ArrayList</a:t>
+            </a:r>
+            <a:r>
+              <a:rPr lang="en-US" sz="1050" dirty="0">
+                <a:solidFill>
+                  <a:srgbClr val="7030A0"/>
+                </a:solidFill>
+              </a:rPr>
+              <a:t>&lt;Integer&gt;</a:t>
+            </a:r>
+          </a:p>
+          <a:p>
+            <a:pPr algn="ctr"/>
+            <a:r>
+              <a:rPr lang="en-US" sz="1050" dirty="0">
+                <a:solidFill>
+                  <a:srgbClr val="7030A0"/>
+                </a:solidFill>
+              </a:rPr>
+              <a:t>-</a:t>
+            </a:r>
+            <a:r>
+              <a:rPr lang="en-US" sz="1050" dirty="0" err="1">
+                <a:solidFill>
+                  <a:srgbClr val="7030A0"/>
+                </a:solidFill>
+              </a:rPr>
+              <a:t>availableDownloadFiles</a:t>
+            </a:r>
+            <a:r>
+              <a:rPr lang="en-US" sz="1050" dirty="0">
+                <a:solidFill>
+                  <a:srgbClr val="7030A0"/>
+                </a:solidFill>
+              </a:rPr>
+              <a:t>: String</a:t>
+            </a:r>
+          </a:p>
+          <a:p>
+            <a:pPr algn="ctr"/>
+            <a:endParaRPr lang="en-US" sz="1050" dirty="0">
+              <a:solidFill>
+                <a:srgbClr val="7030A0"/>
+              </a:solidFill>
+            </a:endParaRPr>
+          </a:p>
+          <a:p>
+            <a:pPr algn="ctr"/>
+            <a:r>
+              <a:rPr lang="en-US" sz="1050" dirty="0">
+                <a:solidFill>
+                  <a:srgbClr val="7030A0"/>
+                </a:solidFill>
+              </a:rPr>
+              <a:t>+</a:t>
+            </a:r>
+            <a:r>
+              <a:rPr lang="en-US" sz="1050" dirty="0" err="1">
+                <a:solidFill>
+                  <a:srgbClr val="7030A0"/>
+                </a:solidFill>
+              </a:rPr>
+              <a:t>CommandResult</a:t>
+            </a:r>
+            <a:r>
+              <a:rPr lang="en-US" sz="1050" dirty="0">
+                <a:solidFill>
+                  <a:srgbClr val="7030A0"/>
+                </a:solidFill>
+              </a:rPr>
+              <a:t>(</a:t>
+            </a:r>
+            <a:r>
+              <a:rPr lang="en-US" sz="1050" dirty="0" err="1">
+                <a:solidFill>
+                  <a:srgbClr val="7030A0"/>
+                </a:solidFill>
+              </a:rPr>
+              <a:t>Model,CommandHistory</a:t>
+            </a:r>
+            <a:r>
+              <a:rPr lang="en-US" sz="1050" dirty="0">
+                <a:solidFill>
+                  <a:srgbClr val="7030A0"/>
+                </a:solidFill>
+              </a:rPr>
+              <a:t>):</a:t>
+            </a:r>
+          </a:p>
+          <a:p>
+            <a:pPr algn="ctr"/>
+            <a:r>
+              <a:rPr lang="en-US" sz="1050" dirty="0" err="1">
+                <a:solidFill>
+                  <a:srgbClr val="7030A0"/>
+                </a:solidFill>
+              </a:rPr>
+              <a:t>CommandResult</a:t>
+            </a:r>
+            <a:endParaRPr lang="en-US" sz="1050" dirty="0">
+              <a:solidFill>
+                <a:srgbClr val="7030A0"/>
+              </a:solidFill>
+            </a:endParaRPr>
+          </a:p>
+          <a:p>
+            <a:pPr algn="ctr"/>
+            <a:r>
+              <a:rPr lang="en-US" sz="1050" dirty="0">
+                <a:solidFill>
+                  <a:srgbClr val="7030A0"/>
+                </a:solidFill>
+              </a:rPr>
+              <a:t>#</a:t>
+            </a:r>
+            <a:r>
+              <a:rPr lang="en-US" sz="1050" dirty="0" err="1">
+                <a:solidFill>
+                  <a:srgbClr val="7030A0"/>
+                </a:solidFill>
+              </a:rPr>
+              <a:t>downloadFiles</a:t>
+            </a:r>
+            <a:r>
+              <a:rPr lang="en-US" sz="1050" dirty="0">
+                <a:solidFill>
+                  <a:srgbClr val="7030A0"/>
+                </a:solidFill>
+              </a:rPr>
+              <a:t>(WebDriver): Void</a:t>
+            </a:r>
+          </a:p>
+          <a:p>
+            <a:pPr algn="ctr"/>
+            <a:r>
+              <a:rPr lang="en-US" sz="1050" dirty="0">
+                <a:solidFill>
+                  <a:srgbClr val="7030A0"/>
+                </a:solidFill>
+              </a:rPr>
+              <a:t>-</a:t>
+            </a:r>
+            <a:r>
+              <a:rPr lang="en-US" sz="1050" dirty="0" err="1">
+                <a:solidFill>
+                  <a:srgbClr val="7030A0"/>
+                </a:solidFill>
+              </a:rPr>
+              <a:t>getFileNames</a:t>
+            </a:r>
+            <a:r>
+              <a:rPr lang="en-US" sz="1050" dirty="0">
+                <a:solidFill>
+                  <a:srgbClr val="7030A0"/>
+                </a:solidFill>
+              </a:rPr>
+              <a:t>(WebDriver): String</a:t>
+            </a:r>
+          </a:p>
+          <a:p>
+            <a:pPr algn="ctr"/>
+            <a:endParaRPr lang="en-US" sz="1050" dirty="0">
+              <a:solidFill>
+                <a:srgbClr val="7030A0"/>
+              </a:solidFill>
+            </a:endParaRPr>
+          </a:p>
+          <a:p>
+            <a:pPr algn="ctr"/>
+            <a:endParaRPr lang="en-US" sz="1050" dirty="0">
+              <a:solidFill>
+                <a:srgbClr val="7030A0"/>
+              </a:solidFill>
+            </a:endParaRPr>
+          </a:p>
+          <a:p>
+            <a:pPr algn="ctr"/>
+            <a:endParaRPr lang="en-SG" sz="1050" dirty="0">
+              <a:solidFill>
+                <a:srgbClr val="7030A0"/>
+              </a:solidFill>
+            </a:endParaRPr>
+          </a:p>
+        </p:txBody>
+      </p:sp>
+      <p:cxnSp>
+        <p:nvCxnSpPr>
+          <p:cNvPr id="92" name="Straight Connector 91">
+            <a:extLst>
+              <a:ext uri="{FF2B5EF4-FFF2-40B4-BE49-F238E27FC236}">
+                <a16:creationId xmlns:a16="http://schemas.microsoft.com/office/drawing/2014/main" id="{F25BFC2F-1446-484B-90BC-C6119D332062}"/>
+              </a:ext>
+            </a:extLst>
+          </p:cNvPr>
+          <p:cNvCxnSpPr>
+            <a:cxnSpLocks/>
+          </p:cNvCxnSpPr>
+          <p:nvPr/>
+        </p:nvCxnSpPr>
+        <p:spPr>
+          <a:xfrm>
+            <a:off x="4336503" y="3276600"/>
+            <a:ext cx="2697000" cy="0"/>
+          </a:xfrm>
+          <a:prstGeom prst="line">
+            <a:avLst/>
+          </a:prstGeom>
+        </p:spPr>
+        <p:style>
+          <a:lnRef idx="1">
+            <a:schemeClr val="accent4"/>
+          </a:lnRef>
+          <a:fillRef idx="0">
+            <a:schemeClr val="accent4"/>
+          </a:fillRef>
+          <a:effectRef idx="0">
+            <a:schemeClr val="accent4"/>
+          </a:effectRef>
+          <a:fontRef idx="minor">
+            <a:schemeClr val="tx1"/>
+          </a:fontRef>
+        </p:style>
+      </p:cxnSp>
+      <p:cxnSp>
+        <p:nvCxnSpPr>
+          <p:cNvPr id="93" name="Straight Connector 92">
+            <a:extLst>
+              <a:ext uri="{FF2B5EF4-FFF2-40B4-BE49-F238E27FC236}">
+                <a16:creationId xmlns:a16="http://schemas.microsoft.com/office/drawing/2014/main" id="{F66EC7FC-2D6D-4C7B-B615-D941585B7A49}"/>
+              </a:ext>
+            </a:extLst>
+          </p:cNvPr>
+          <p:cNvCxnSpPr>
+            <a:cxnSpLocks/>
+          </p:cNvCxnSpPr>
+          <p:nvPr/>
+        </p:nvCxnSpPr>
+        <p:spPr>
+          <a:xfrm>
+            <a:off x="4346120" y="3657600"/>
+            <a:ext cx="2697000" cy="0"/>
+          </a:xfrm>
+          <a:prstGeom prst="line">
+            <a:avLst/>
+          </a:prstGeom>
+        </p:spPr>
+        <p:style>
+          <a:lnRef idx="1">
+            <a:schemeClr val="accent4"/>
+          </a:lnRef>
+          <a:fillRef idx="0">
+            <a:schemeClr val="accent4"/>
+          </a:fillRef>
+          <a:effectRef idx="0">
+            <a:schemeClr val="accent4"/>
+          </a:effectRef>
+          <a:fontRef idx="minor">
+            <a:schemeClr val="tx1"/>
+          </a:fontRef>
+        </p:style>
+      </p:cxnSp>
+      <p:sp>
+        <p:nvSpPr>
+          <p:cNvPr id="94" name="Isosceles Triangle 102">
+            <a:extLst>
+              <a:ext uri="{FF2B5EF4-FFF2-40B4-BE49-F238E27FC236}">
+                <a16:creationId xmlns:a16="http://schemas.microsoft.com/office/drawing/2014/main" id="{8D62B052-E0EA-4E64-80F6-0BEB30863205}"/>
+              </a:ext>
+            </a:extLst>
+          </p:cNvPr>
+          <p:cNvSpPr/>
+          <p:nvPr/>
+        </p:nvSpPr>
+        <p:spPr>
+          <a:xfrm rot="16200000">
+            <a:off x="3395841" y="3471072"/>
+            <a:ext cx="271014" cy="216842"/>
+          </a:xfrm>
+          <a:prstGeom prst="triangle">
+            <a:avLst>
+              <a:gd name="adj" fmla="val 44517"/>
+            </a:avLst>
+          </a:prstGeom>
+          <a:solidFill>
+            <a:schemeClr val="accent4">
+              <a:lumMod val="20000"/>
+              <a:lumOff val="80000"/>
+            </a:schemeClr>
+          </a:solidFill>
+          <a:ln w="19050">
+            <a:solidFill>
+              <a:srgbClr val="7030A0"/>
+            </a:solidFill>
+          </a:ln>
+          <a:effectLst/>
+        </p:spPr>
+        <p:style>
+          <a:lnRef idx="1">
+            <a:schemeClr val="accent6"/>
+          </a:lnRef>
+          <a:fillRef idx="2">
+            <a:schemeClr val="accent6"/>
+          </a:fillRef>
+          <a:effectRef idx="1">
+            <a:schemeClr val="accent6"/>
+          </a:effectRef>
+          <a:fontRef idx="minor">
+            <a:schemeClr val="dk1"/>
+          </a:fontRef>
+        </p:style>
+        <p:txBody>
+          <a:bodyPr rtlCol="0" anchor="ctr"/>
+          <a:lstStyle/>
+          <a:p>
+            <a:pPr algn="ctr"/>
+            <a:endParaRPr lang="en-SG" sz="1050"/>
+          </a:p>
+        </p:txBody>
+      </p:sp>
+    </p:spTree>
+    <p:extLst>
+      <p:ext uri="{BB962C8B-B14F-4D97-AF65-F5344CB8AC3E}">
+        <p14:creationId xmlns:p14="http://schemas.microsoft.com/office/powerpoint/2010/main" val="3237895324"/>
       </p:ext>
     </p:extLst>
   </p:cSld>

--- a/docs/diagrams/ModelComponentClassDiagram.pptx
+++ b/docs/diagrams/ModelComponentClassDiagram.pptx
@@ -209,7 +209,7 @@
           <a:p>
             <a:fld id="{F5CC4B3F-88C1-4FFA-B1B6-F41C21DC6924}" type="datetimeFigureOut">
               <a:rPr lang="en-US" smtClean="0"/>
-              <a:t>11/10/2018</a:t>
+              <a:t>11/12/18</a:t>
             </a:fld>
             <a:endParaRPr lang="en-US"/>
           </a:p>
@@ -655,7 +655,7 @@
           <a:p>
             <a:fld id="{78C97017-6FC3-485B-9764-EAC9E56C1D49}" type="datetimeFigureOut">
               <a:rPr lang="en-US" smtClean="0"/>
-              <a:t>11/10/2018</a:t>
+              <a:t>11/12/18</a:t>
             </a:fld>
             <a:endParaRPr lang="en-US"/>
           </a:p>
@@ -823,7 +823,7 @@
           <a:p>
             <a:fld id="{78C97017-6FC3-485B-9764-EAC9E56C1D49}" type="datetimeFigureOut">
               <a:rPr lang="en-US" smtClean="0"/>
-              <a:t>11/10/2018</a:t>
+              <a:t>11/12/18</a:t>
             </a:fld>
             <a:endParaRPr lang="en-US"/>
           </a:p>
@@ -1001,7 +1001,7 @@
           <a:p>
             <a:fld id="{78C97017-6FC3-485B-9764-EAC9E56C1D49}" type="datetimeFigureOut">
               <a:rPr lang="en-US" smtClean="0"/>
-              <a:t>11/10/2018</a:t>
+              <a:t>11/12/18</a:t>
             </a:fld>
             <a:endParaRPr lang="en-US"/>
           </a:p>
@@ -1169,7 +1169,7 @@
           <a:p>
             <a:fld id="{78C97017-6FC3-485B-9764-EAC9E56C1D49}" type="datetimeFigureOut">
               <a:rPr lang="en-US" smtClean="0"/>
-              <a:t>11/10/2018</a:t>
+              <a:t>11/12/18</a:t>
             </a:fld>
             <a:endParaRPr lang="en-US"/>
           </a:p>
@@ -1414,7 +1414,7 @@
           <a:p>
             <a:fld id="{78C97017-6FC3-485B-9764-EAC9E56C1D49}" type="datetimeFigureOut">
               <a:rPr lang="en-US" smtClean="0"/>
-              <a:t>11/10/2018</a:t>
+              <a:t>11/12/18</a:t>
             </a:fld>
             <a:endParaRPr lang="en-US"/>
           </a:p>
@@ -1699,7 +1699,7 @@
           <a:p>
             <a:fld id="{78C97017-6FC3-485B-9764-EAC9E56C1D49}" type="datetimeFigureOut">
               <a:rPr lang="en-US" smtClean="0"/>
-              <a:t>11/10/2018</a:t>
+              <a:t>11/12/18</a:t>
             </a:fld>
             <a:endParaRPr lang="en-US"/>
           </a:p>
@@ -2118,7 +2118,7 @@
           <a:p>
             <a:fld id="{78C97017-6FC3-485B-9764-EAC9E56C1D49}" type="datetimeFigureOut">
               <a:rPr lang="en-US" smtClean="0"/>
-              <a:t>11/10/2018</a:t>
+              <a:t>11/12/18</a:t>
             </a:fld>
             <a:endParaRPr lang="en-US"/>
           </a:p>
@@ -2235,7 +2235,7 @@
           <a:p>
             <a:fld id="{78C97017-6FC3-485B-9764-EAC9E56C1D49}" type="datetimeFigureOut">
               <a:rPr lang="en-US" smtClean="0"/>
-              <a:t>11/10/2018</a:t>
+              <a:t>11/12/18</a:t>
             </a:fld>
             <a:endParaRPr lang="en-US"/>
           </a:p>
@@ -2330,7 +2330,7 @@
           <a:p>
             <a:fld id="{78C97017-6FC3-485B-9764-EAC9E56C1D49}" type="datetimeFigureOut">
               <a:rPr lang="en-US" smtClean="0"/>
-              <a:t>11/10/2018</a:t>
+              <a:t>11/12/18</a:t>
             </a:fld>
             <a:endParaRPr lang="en-US"/>
           </a:p>
@@ -2605,7 +2605,7 @@
           <a:p>
             <a:fld id="{78C97017-6FC3-485B-9764-EAC9E56C1D49}" type="datetimeFigureOut">
               <a:rPr lang="en-US" smtClean="0"/>
-              <a:t>11/10/2018</a:t>
+              <a:t>11/12/18</a:t>
             </a:fld>
             <a:endParaRPr lang="en-US"/>
           </a:p>
@@ -2857,7 +2857,7 @@
           <a:p>
             <a:fld id="{78C97017-6FC3-485B-9764-EAC9E56C1D49}" type="datetimeFigureOut">
               <a:rPr lang="en-US" smtClean="0"/>
-              <a:t>11/10/2018</a:t>
+              <a:t>11/12/18</a:t>
             </a:fld>
             <a:endParaRPr lang="en-US"/>
           </a:p>
@@ -3068,7 +3068,7 @@
           <a:p>
             <a:fld id="{78C97017-6FC3-485B-9764-EAC9E56C1D49}" type="datetimeFigureOut">
               <a:rPr lang="en-US" smtClean="0"/>
-              <a:t>11/10/2018</a:t>
+              <a:t>11/12/18</a:t>
             </a:fld>
             <a:endParaRPr lang="en-US"/>
           </a:p>
@@ -3451,8 +3451,8 @@
         </p:nvSpPr>
         <p:spPr>
           <a:xfrm>
-            <a:off x="1119865" y="1600200"/>
-            <a:ext cx="7490735" cy="3124200"/>
+            <a:off x="1119865" y="379190"/>
+            <a:ext cx="7490735" cy="4819600"/>
           </a:xfrm>
           <a:prstGeom prst="roundRect">
             <a:avLst>
@@ -3512,7 +3512,7 @@
         </p:nvSpPr>
         <p:spPr>
           <a:xfrm>
-            <a:off x="2877180" y="3463240"/>
+            <a:off x="2877180" y="3579220"/>
             <a:ext cx="1093635" cy="346760"/>
           </a:xfrm>
           <a:prstGeom prst="rect">
@@ -3634,12 +3634,12 @@
         </p:nvCxnSpPr>
         <p:spPr>
           <a:xfrm rot="5400000" flipH="1" flipV="1">
-            <a:off x="4131507" y="1281685"/>
-            <a:ext cx="613122" cy="4459404"/>
+            <a:off x="4289796" y="1439975"/>
+            <a:ext cx="296543" cy="4459404"/>
           </a:xfrm>
           <a:prstGeom prst="bentConnector3">
             <a:avLst>
-              <a:gd name="adj1" fmla="val -26668"/>
+              <a:gd name="adj1" fmla="val -239459"/>
             </a:avLst>
           </a:prstGeom>
           <a:ln w="19050">
@@ -3788,14 +3788,14 @@
         <p:nvCxnSpPr>
           <p:cNvPr id="58" name="Straight Arrow Connector 57"/>
           <p:cNvCxnSpPr>
-            <a:stCxn id="42" idx="3"/>
+            <a:cxnSpLocks/>
             <a:endCxn id="2" idx="1"/>
           </p:cNvCxnSpPr>
           <p:nvPr/>
         </p:nvCxnSpPr>
         <p:spPr>
           <a:xfrm>
-            <a:off x="2609828" y="3636620"/>
+            <a:off x="2609828" y="3752600"/>
             <a:ext cx="267352" cy="0"/>
           </a:xfrm>
           <a:prstGeom prst="straightConnector1">
@@ -3917,7 +3917,7 @@
         </p:nvSpPr>
         <p:spPr>
           <a:xfrm>
-            <a:off x="2373780" y="3549930"/>
+            <a:off x="2373780" y="3663730"/>
             <a:ext cx="236048" cy="173380"/>
           </a:xfrm>
           <a:prstGeom prst="flowChartDecision">
@@ -3962,7 +3962,7 @@
         </p:nvSpPr>
         <p:spPr>
           <a:xfrm>
-            <a:off x="2825280" y="2846162"/>
+            <a:off x="2866005" y="3195862"/>
             <a:ext cx="1490560" cy="334856"/>
           </a:xfrm>
           <a:prstGeom prst="rect">
@@ -4021,8 +4021,8 @@
         </p:nvCxnSpPr>
         <p:spPr>
           <a:xfrm>
-            <a:off x="2624360" y="3003033"/>
-            <a:ext cx="200920" cy="10557"/>
+            <a:off x="2624360" y="3363290"/>
+            <a:ext cx="241645" cy="0"/>
           </a:xfrm>
           <a:prstGeom prst="straightConnector1">
             <a:avLst/>
@@ -4059,7 +4059,7 @@
         </p:nvSpPr>
         <p:spPr>
           <a:xfrm>
-            <a:off x="2388312" y="2916343"/>
+            <a:off x="2388312" y="3276600"/>
             <a:ext cx="236048" cy="173380"/>
           </a:xfrm>
           <a:prstGeom prst="flowChartDecision">
@@ -4104,7 +4104,7 @@
         </p:nvSpPr>
         <p:spPr>
           <a:xfrm>
-            <a:off x="4692650" y="2846162"/>
+            <a:off x="4692650" y="3162741"/>
             <a:ext cx="1156969" cy="346760"/>
           </a:xfrm>
           <a:prstGeom prst="rect">
@@ -4160,7 +4160,7 @@
         </p:nvSpPr>
         <p:spPr>
           <a:xfrm>
-            <a:off x="4324972" y="2920532"/>
+            <a:off x="4349393" y="3248726"/>
             <a:ext cx="236048" cy="173380"/>
           </a:xfrm>
           <a:prstGeom prst="flowChartDecision">
@@ -4207,7 +4207,7 @@
         </p:nvSpPr>
         <p:spPr>
           <a:xfrm>
-            <a:off x="6313677" y="2858066"/>
+            <a:off x="6313677" y="3174645"/>
             <a:ext cx="708186" cy="346760"/>
           </a:xfrm>
           <a:prstGeom prst="rect">
@@ -4263,7 +4263,7 @@
         </p:nvSpPr>
         <p:spPr>
           <a:xfrm>
-            <a:off x="5858751" y="2941676"/>
+            <a:off x="5858751" y="3258255"/>
             <a:ext cx="236048" cy="173380"/>
           </a:xfrm>
           <a:prstGeom prst="flowChartDecision">
@@ -4304,6 +4304,7 @@
         <p:nvCxnSpPr>
           <p:cNvPr id="64" name="Elbow Connector 63"/>
           <p:cNvCxnSpPr>
+            <a:cxnSpLocks/>
             <a:stCxn id="63" idx="3"/>
             <a:endCxn id="62" idx="1"/>
           </p:cNvCxnSpPr>
@@ -4311,7 +4312,7 @@
         </p:nvCxnSpPr>
         <p:spPr>
           <a:xfrm>
-            <a:off x="6094799" y="3028366"/>
+            <a:off x="6094799" y="3344945"/>
             <a:ext cx="218878" cy="3080"/>
           </a:xfrm>
           <a:prstGeom prst="bentConnector3">
@@ -4349,7 +4350,7 @@
         </p:nvSpPr>
         <p:spPr>
           <a:xfrm>
-            <a:off x="7712397" y="2564238"/>
+            <a:off x="7712397" y="2880817"/>
             <a:ext cx="708186" cy="285783"/>
           </a:xfrm>
           <a:prstGeom prst="rect">
@@ -4405,7 +4406,7 @@
         </p:nvSpPr>
         <p:spPr>
           <a:xfrm>
-            <a:off x="7041947" y="2948201"/>
+            <a:off x="7041947" y="3264780"/>
             <a:ext cx="236048" cy="173380"/>
           </a:xfrm>
           <a:prstGeom prst="flowChartDecision">
@@ -4454,7 +4455,7 @@
         </p:nvCxnSpPr>
         <p:spPr>
           <a:xfrm flipV="1">
-            <a:off x="7277995" y="2706821"/>
+            <a:off x="7277995" y="3023400"/>
             <a:ext cx="434402" cy="327761"/>
           </a:xfrm>
           <a:prstGeom prst="bentConnector3">
@@ -4492,7 +4493,7 @@
         </p:nvSpPr>
         <p:spPr>
           <a:xfrm>
-            <a:off x="7712397" y="2887216"/>
+            <a:off x="7712397" y="3203795"/>
             <a:ext cx="708186" cy="285783"/>
           </a:xfrm>
           <a:prstGeom prst="rect">
@@ -4551,7 +4552,7 @@
         </p:nvCxnSpPr>
         <p:spPr>
           <a:xfrm flipV="1">
-            <a:off x="7277995" y="3030108"/>
+            <a:off x="7277995" y="3346687"/>
             <a:ext cx="434402" cy="4783"/>
           </a:xfrm>
           <a:prstGeom prst="bentConnector3">
@@ -4589,7 +4590,7 @@
         </p:nvSpPr>
         <p:spPr>
           <a:xfrm>
-            <a:off x="7712397" y="3210194"/>
+            <a:off x="7712397" y="3526773"/>
             <a:ext cx="708186" cy="285783"/>
           </a:xfrm>
           <a:prstGeom prst="rect">
@@ -4648,7 +4649,7 @@
         </p:nvCxnSpPr>
         <p:spPr>
           <a:xfrm>
-            <a:off x="7277995" y="3034891"/>
+            <a:off x="7277995" y="3351470"/>
             <a:ext cx="434402" cy="318195"/>
           </a:xfrm>
           <a:prstGeom prst="bentConnector3">
@@ -4686,7 +4687,7 @@
         </p:nvSpPr>
         <p:spPr>
           <a:xfrm>
-            <a:off x="7712397" y="3533171"/>
+            <a:off x="7712397" y="3849750"/>
             <a:ext cx="708186" cy="285783"/>
           </a:xfrm>
           <a:prstGeom prst="rect">
@@ -4745,7 +4746,7 @@
         </p:nvCxnSpPr>
         <p:spPr>
           <a:xfrm>
-            <a:off x="7277995" y="3034891"/>
+            <a:off x="7277995" y="3351470"/>
             <a:ext cx="434402" cy="641172"/>
           </a:xfrm>
           <a:prstGeom prst="bentConnector3">
@@ -4779,14 +4780,15 @@
         <p:nvCxnSpPr>
           <p:cNvPr id="97" name="Elbow Connector 63"/>
           <p:cNvCxnSpPr>
+            <a:cxnSpLocks/>
             <a:stCxn id="99" idx="3"/>
           </p:cNvCxnSpPr>
           <p:nvPr/>
         </p:nvCxnSpPr>
         <p:spPr>
-          <a:xfrm rot="5400000">
-            <a:off x="3553611" y="2687559"/>
-            <a:ext cx="293825" cy="5938"/>
+          <a:xfrm rot="16200000" flipH="1">
+            <a:off x="3053903" y="2009371"/>
+            <a:ext cx="1916620" cy="472232"/>
           </a:xfrm>
           <a:prstGeom prst="bentConnector3">
             <a:avLst>
@@ -4826,7 +4828,7 @@
         </p:nvSpPr>
         <p:spPr>
           <a:xfrm rot="10800000" flipV="1">
-            <a:off x="3562299" y="2386554"/>
+            <a:off x="3634904" y="1130115"/>
             <a:ext cx="282387" cy="157062"/>
           </a:xfrm>
           <a:prstGeom prst="triangle">
@@ -4874,7 +4876,7 @@
         </p:nvSpPr>
         <p:spPr>
           <a:xfrm>
-            <a:off x="1260922" y="1998350"/>
+            <a:off x="1263891" y="756127"/>
             <a:ext cx="1443661" cy="364396"/>
           </a:xfrm>
           <a:prstGeom prst="rect">
@@ -4945,7 +4947,7 @@
         </p:nvSpPr>
         <p:spPr>
           <a:xfrm rot="16200000">
-            <a:off x="6362886" y="3586305"/>
+            <a:off x="6362886" y="3902884"/>
             <a:ext cx="881018" cy="261610"/>
           </a:xfrm>
           <a:prstGeom prst="rect">
@@ -4984,7 +4986,7 @@
         </p:nvSpPr>
         <p:spPr>
           <a:xfrm>
-            <a:off x="2057401" y="4239491"/>
+            <a:off x="2004003" y="4709669"/>
             <a:ext cx="1066800" cy="346760"/>
           </a:xfrm>
           <a:prstGeom prst="rect">
@@ -5025,7 +5027,7 @@
               <a:t>&lt;&lt;interface&gt;&gt;</a:t>
             </a:r>
             <a:br>
-              <a:rPr lang="en-US" sz="1050">
+              <a:rPr lang="en-US" sz="1050" dirty="0">
                 <a:solidFill>
                   <a:srgbClr val="7030A0"/>
                 </a:solidFill>
@@ -5058,8 +5060,8 @@
         </p:nvCxnSpPr>
         <p:spPr>
           <a:xfrm rot="16200000" flipH="1">
-            <a:off x="1364475" y="3719944"/>
-            <a:ext cx="831471" cy="554381"/>
+            <a:off x="1102687" y="3981732"/>
+            <a:ext cx="1301649" cy="500983"/>
           </a:xfrm>
           <a:prstGeom prst="bentConnector2">
             <a:avLst/>
@@ -5097,7 +5099,7 @@
         </p:nvSpPr>
         <p:spPr>
           <a:xfrm>
-            <a:off x="4429979" y="3111479"/>
+            <a:off x="4429979" y="3428058"/>
             <a:ext cx="189257" cy="178683"/>
           </a:xfrm>
           <a:prstGeom prst="rect">
@@ -5136,7 +5138,7 @@
         </p:nvSpPr>
         <p:spPr>
           <a:xfrm>
-            <a:off x="6135256" y="3097917"/>
+            <a:off x="6135256" y="3414496"/>
             <a:ext cx="189257" cy="178683"/>
           </a:xfrm>
           <a:prstGeom prst="rect">
@@ -5175,7 +5177,7 @@
         </p:nvSpPr>
         <p:spPr>
           <a:xfrm>
-            <a:off x="2573394" y="2756715"/>
+            <a:off x="2693430" y="3404353"/>
             <a:ext cx="170110" cy="137542"/>
           </a:xfrm>
           <a:prstGeom prst="rect">
@@ -5214,7 +5216,7 @@
         </p:nvSpPr>
         <p:spPr>
           <a:xfrm>
-            <a:off x="2707070" y="3667737"/>
+            <a:off x="2691359" y="3805113"/>
             <a:ext cx="189257" cy="178683"/>
           </a:xfrm>
           <a:prstGeom prst="rect">
@@ -5253,7 +5255,7 @@
         </p:nvSpPr>
         <p:spPr>
           <a:xfrm>
-            <a:off x="6449896" y="3204826"/>
+            <a:off x="6449896" y="3521405"/>
             <a:ext cx="189257" cy="178683"/>
           </a:xfrm>
           <a:prstGeom prst="rect">
@@ -5298,7 +5300,7 @@
         </p:nvSpPr>
         <p:spPr>
           <a:xfrm>
-            <a:off x="7712397" y="2228817"/>
+            <a:off x="7712397" y="2545396"/>
             <a:ext cx="708186" cy="285783"/>
           </a:xfrm>
           <a:prstGeom prst="rect">
@@ -5364,7 +5366,7 @@
         </p:nvCxnSpPr>
         <p:spPr>
           <a:xfrm flipV="1">
-            <a:off x="7277995" y="2371709"/>
+            <a:off x="7277995" y="2688288"/>
             <a:ext cx="434402" cy="663182"/>
           </a:xfrm>
           <a:prstGeom prst="bentConnector3">
@@ -5410,7 +5412,7 @@
         </p:nvSpPr>
         <p:spPr>
           <a:xfrm>
-            <a:off x="7466243" y="2255711"/>
+            <a:off x="7466243" y="2572290"/>
             <a:ext cx="189257" cy="178683"/>
           </a:xfrm>
           <a:prstGeom prst="rect">
@@ -5449,7 +5451,7 @@
         </p:nvSpPr>
         <p:spPr>
           <a:xfrm>
-            <a:off x="3170181" y="1998350"/>
+            <a:off x="3173150" y="756127"/>
             <a:ext cx="1060683" cy="364396"/>
           </a:xfrm>
           <a:prstGeom prst="rect">
@@ -5501,6 +5503,7 @@
         <p:nvCxnSpPr>
           <p:cNvPr id="60" name="Straight Arrow Connector 59"/>
           <p:cNvCxnSpPr>
+            <a:cxnSpLocks/>
             <a:stCxn id="51" idx="1"/>
             <a:endCxn id="49" idx="1"/>
           </p:cNvCxnSpPr>
@@ -5508,8 +5511,8 @@
         </p:nvCxnSpPr>
         <p:spPr>
           <a:xfrm>
-            <a:off x="4324972" y="3007222"/>
-            <a:ext cx="367678" cy="12320"/>
+            <a:off x="4349393" y="3335416"/>
+            <a:ext cx="343257" cy="705"/>
           </a:xfrm>
           <a:prstGeom prst="straightConnector1">
             <a:avLst/>
@@ -5546,7 +5549,7 @@
         </p:nvSpPr>
         <p:spPr>
           <a:xfrm rot="16200000">
-            <a:off x="2669073" y="2069158"/>
+            <a:off x="2659043" y="841795"/>
             <a:ext cx="271014" cy="187417"/>
           </a:xfrm>
           <a:prstGeom prst="triangle">
@@ -5594,14 +5597,14 @@
         <p:nvCxnSpPr>
           <p:cNvPr id="69" name="Elbow Connector 63"/>
           <p:cNvCxnSpPr>
-            <a:stCxn id="68" idx="3"/>
+            <a:cxnSpLocks/>
             <a:endCxn id="55" idx="1"/>
           </p:cNvCxnSpPr>
           <p:nvPr/>
         </p:nvCxnSpPr>
         <p:spPr>
           <a:xfrm>
-            <a:off x="2898289" y="2177727"/>
+            <a:off x="2901258" y="935504"/>
             <a:ext cx="271892" cy="2821"/>
           </a:xfrm>
           <a:prstGeom prst="bentConnector3">
@@ -5648,7 +5651,7 @@
         </p:nvSpPr>
         <p:spPr>
           <a:xfrm>
-            <a:off x="7712397" y="1893221"/>
+            <a:off x="7712397" y="2209800"/>
             <a:ext cx="708186" cy="285783"/>
           </a:xfrm>
           <a:prstGeom prst="rect">
@@ -5714,7 +5717,7 @@
         </p:nvCxnSpPr>
         <p:spPr>
           <a:xfrm flipV="1">
-            <a:off x="7277995" y="2036113"/>
+            <a:off x="7277995" y="2352692"/>
             <a:ext cx="434402" cy="998778"/>
           </a:xfrm>
           <a:prstGeom prst="bentConnector3">
@@ -5760,7 +5763,7 @@
         </p:nvSpPr>
         <p:spPr>
           <a:xfrm>
-            <a:off x="7460666" y="1917632"/>
+            <a:off x="7460666" y="2234211"/>
             <a:ext cx="189257" cy="178683"/>
           </a:xfrm>
           <a:prstGeom prst="rect">
@@ -5788,6 +5791,548 @@
                 <a:srgbClr val="7030A0"/>
               </a:solidFill>
             </a:endParaRPr>
+          </a:p>
+        </p:txBody>
+      </p:sp>
+      <p:sp>
+        <p:nvSpPr>
+          <p:cNvPr id="57" name="Rectangle 8">
+            <a:extLst>
+              <a:ext uri="{FF2B5EF4-FFF2-40B4-BE49-F238E27FC236}">
+                <a16:creationId xmlns:a16="http://schemas.microsoft.com/office/drawing/2014/main" id="{D52AA374-6431-414A-8A55-AE6948A1B601}"/>
+              </a:ext>
+            </a:extLst>
+          </p:cNvPr>
+          <p:cNvSpPr/>
+          <p:nvPr/>
+        </p:nvSpPr>
+        <p:spPr>
+          <a:xfrm>
+            <a:off x="7710493" y="4199161"/>
+            <a:ext cx="708186" cy="285783"/>
+          </a:xfrm>
+          <a:prstGeom prst="rect">
+            <a:avLst/>
+          </a:prstGeom>
+          <a:ln w="19050">
+            <a:solidFill>
+              <a:srgbClr val="7030A0"/>
+            </a:solidFill>
+          </a:ln>
+          <a:effectLst/>
+        </p:spPr>
+        <p:style>
+          <a:lnRef idx="1">
+            <a:schemeClr val="accent4"/>
+          </a:lnRef>
+          <a:fillRef idx="2">
+            <a:schemeClr val="accent4"/>
+          </a:fillRef>
+          <a:effectRef idx="1">
+            <a:schemeClr val="accent4"/>
+          </a:effectRef>
+          <a:fontRef idx="minor">
+            <a:schemeClr val="dk1"/>
+          </a:fontRef>
+        </p:style>
+        <p:txBody>
+          <a:bodyPr rtlCol="0" anchor="ctr"/>
+          <a:lstStyle/>
+          <a:p>
+            <a:pPr algn="ctr"/>
+            <a:r>
+              <a:rPr lang="en-US" sz="750" dirty="0" err="1">
+                <a:solidFill>
+                  <a:srgbClr val="7030A0"/>
+                </a:solidFill>
+              </a:rPr>
+              <a:t>TimeSlots</a:t>
+            </a:r>
+            <a:endParaRPr lang="en-SG" sz="750" dirty="0">
+              <a:solidFill>
+                <a:srgbClr val="7030A0"/>
+              </a:solidFill>
+            </a:endParaRPr>
+          </a:p>
+        </p:txBody>
+      </p:sp>
+      <p:cxnSp>
+        <p:nvCxnSpPr>
+          <p:cNvPr id="67" name="Elbow Connector 66">
+            <a:extLst>
+              <a:ext uri="{FF2B5EF4-FFF2-40B4-BE49-F238E27FC236}">
+                <a16:creationId xmlns:a16="http://schemas.microsoft.com/office/drawing/2014/main" id="{39605139-51C0-6144-87F4-0401E0B13716}"/>
+              </a:ext>
+            </a:extLst>
+          </p:cNvPr>
+          <p:cNvCxnSpPr>
+            <a:cxnSpLocks/>
+            <a:stCxn id="78" idx="3"/>
+            <a:endCxn id="57" idx="1"/>
+          </p:cNvCxnSpPr>
+          <p:nvPr/>
+        </p:nvCxnSpPr>
+        <p:spPr>
+          <a:xfrm>
+            <a:off x="7277995" y="3351470"/>
+            <a:ext cx="432498" cy="990583"/>
+          </a:xfrm>
+          <a:prstGeom prst="bentConnector3">
+            <a:avLst/>
+          </a:prstGeom>
+          <a:ln w="19050">
+            <a:solidFill>
+              <a:srgbClr val="7030A0"/>
+            </a:solidFill>
+            <a:headEnd type="none" w="med" len="med"/>
+            <a:tailEnd type="arrow" w="med" len="med"/>
+          </a:ln>
+          <a:effectLst/>
+        </p:spPr>
+        <p:style>
+          <a:lnRef idx="1">
+            <a:schemeClr val="accent2"/>
+          </a:lnRef>
+          <a:fillRef idx="2">
+            <a:schemeClr val="accent2"/>
+          </a:fillRef>
+          <a:effectRef idx="1">
+            <a:schemeClr val="accent2"/>
+          </a:effectRef>
+          <a:fontRef idx="minor">
+            <a:schemeClr val="dk1"/>
+          </a:fontRef>
+        </p:style>
+      </p:cxnSp>
+      <p:sp>
+        <p:nvSpPr>
+          <p:cNvPr id="71" name="TextBox 70">
+            <a:extLst>
+              <a:ext uri="{FF2B5EF4-FFF2-40B4-BE49-F238E27FC236}">
+                <a16:creationId xmlns:a16="http://schemas.microsoft.com/office/drawing/2014/main" id="{2AE45743-3908-4B47-9BD4-CB74A9497405}"/>
+              </a:ext>
+            </a:extLst>
+          </p:cNvPr>
+          <p:cNvSpPr txBox="1"/>
+          <p:nvPr/>
+        </p:nvSpPr>
+        <p:spPr>
+          <a:xfrm>
+            <a:off x="7466663" y="4199161"/>
+            <a:ext cx="189257" cy="178683"/>
+          </a:xfrm>
+          <a:prstGeom prst="rect">
+            <a:avLst/>
+          </a:prstGeom>
+          <a:noFill/>
+        </p:spPr>
+        <p:txBody>
+          <a:bodyPr wrap="square" lIns="0" tIns="0" rIns="0" bIns="0" rtlCol="0">
+            <a:noAutofit/>
+          </a:bodyPr>
+          <a:lstStyle/>
+          <a:p>
+            <a:pPr algn="ctr"/>
+            <a:r>
+              <a:rPr lang="en-US" sz="800" dirty="0">
+                <a:solidFill>
+                  <a:srgbClr val="7030A0"/>
+                </a:solidFill>
+              </a:rPr>
+              <a:t>60</a:t>
+            </a:r>
+            <a:endParaRPr lang="en-SG" sz="1100" dirty="0">
+              <a:solidFill>
+                <a:srgbClr val="7030A0"/>
+              </a:solidFill>
+            </a:endParaRPr>
+          </a:p>
+        </p:txBody>
+      </p:sp>
+      <p:sp>
+        <p:nvSpPr>
+          <p:cNvPr id="72" name="Rectangle 8">
+            <a:extLst>
+              <a:ext uri="{FF2B5EF4-FFF2-40B4-BE49-F238E27FC236}">
+                <a16:creationId xmlns:a16="http://schemas.microsoft.com/office/drawing/2014/main" id="{A0D472F0-9541-C043-A382-09ABC87158C8}"/>
+              </a:ext>
+            </a:extLst>
+          </p:cNvPr>
+          <p:cNvSpPr/>
+          <p:nvPr/>
+        </p:nvSpPr>
+        <p:spPr>
+          <a:xfrm>
+            <a:off x="2858833" y="2675136"/>
+            <a:ext cx="1255967" cy="334856"/>
+          </a:xfrm>
+          <a:prstGeom prst="rect">
+            <a:avLst/>
+          </a:prstGeom>
+          <a:ln w="19050">
+            <a:solidFill>
+              <a:srgbClr val="7030A0"/>
+            </a:solidFill>
+          </a:ln>
+          <a:effectLst/>
+        </p:spPr>
+        <p:style>
+          <a:lnRef idx="1">
+            <a:schemeClr val="accent4"/>
+          </a:lnRef>
+          <a:fillRef idx="2">
+            <a:schemeClr val="accent4"/>
+          </a:fillRef>
+          <a:effectRef idx="1">
+            <a:schemeClr val="accent4"/>
+          </a:effectRef>
+          <a:fontRef idx="minor">
+            <a:schemeClr val="dk1"/>
+          </a:fontRef>
+        </p:style>
+        <p:txBody>
+          <a:bodyPr rtlCol="0" anchor="ctr"/>
+          <a:lstStyle/>
+          <a:p>
+            <a:pPr algn="ctr"/>
+            <a:r>
+              <a:rPr lang="en-US" sz="1050" dirty="0" err="1">
+                <a:solidFill>
+                  <a:srgbClr val="7030A0"/>
+                </a:solidFill>
+              </a:rPr>
+              <a:t>NotesDownloaded</a:t>
+            </a:r>
+            <a:endParaRPr lang="en-SG" sz="1050" dirty="0">
+              <a:solidFill>
+                <a:srgbClr val="7030A0"/>
+              </a:solidFill>
+            </a:endParaRPr>
+          </a:p>
+        </p:txBody>
+      </p:sp>
+      <p:sp>
+        <p:nvSpPr>
+          <p:cNvPr id="73" name="Rectangle 8">
+            <a:extLst>
+              <a:ext uri="{FF2B5EF4-FFF2-40B4-BE49-F238E27FC236}">
+                <a16:creationId xmlns:a16="http://schemas.microsoft.com/office/drawing/2014/main" id="{10DBAC84-341A-3F45-8B74-9DFC099D9120}"/>
+              </a:ext>
+            </a:extLst>
+          </p:cNvPr>
+          <p:cNvSpPr/>
+          <p:nvPr/>
+        </p:nvSpPr>
+        <p:spPr>
+          <a:xfrm>
+            <a:off x="1253549" y="1659210"/>
+            <a:ext cx="1809926" cy="364396"/>
+          </a:xfrm>
+          <a:prstGeom prst="rect">
+            <a:avLst/>
+          </a:prstGeom>
+          <a:ln w="19050">
+            <a:solidFill>
+              <a:srgbClr val="7030A0"/>
+            </a:solidFill>
+          </a:ln>
+          <a:effectLst/>
+        </p:spPr>
+        <p:style>
+          <a:lnRef idx="1">
+            <a:schemeClr val="accent4"/>
+          </a:lnRef>
+          <a:fillRef idx="2">
+            <a:schemeClr val="accent4"/>
+          </a:fillRef>
+          <a:effectRef idx="1">
+            <a:schemeClr val="accent4"/>
+          </a:effectRef>
+          <a:fontRef idx="minor">
+            <a:schemeClr val="dk1"/>
+          </a:fontRef>
+        </p:style>
+        <p:txBody>
+          <a:bodyPr rtlCol="0" anchor="ctr"/>
+          <a:lstStyle/>
+          <a:p>
+            <a:pPr algn="ctr"/>
+            <a:r>
+              <a:rPr lang="en-US" sz="1050" dirty="0">
+                <a:solidFill>
+                  <a:srgbClr val="7030A0"/>
+                </a:solidFill>
+              </a:rPr>
+              <a:t>&lt;&lt;interface&gt;&gt;</a:t>
+            </a:r>
+            <a:br>
+              <a:rPr lang="en-US" sz="1050" dirty="0">
+                <a:solidFill>
+                  <a:srgbClr val="7030A0"/>
+                </a:solidFill>
+              </a:rPr>
+            </a:br>
+            <a:r>
+              <a:rPr lang="en-US" sz="1050" dirty="0" err="1">
+                <a:solidFill>
+                  <a:srgbClr val="7030A0"/>
+                </a:solidFill>
+              </a:rPr>
+              <a:t>ReadOnlyNotesDownloaded</a:t>
+            </a:r>
+            <a:endParaRPr lang="en-SG" sz="1050" dirty="0">
+              <a:solidFill>
+                <a:srgbClr val="7030A0"/>
+              </a:solidFill>
+            </a:endParaRPr>
+          </a:p>
+        </p:txBody>
+      </p:sp>
+      <p:cxnSp>
+        <p:nvCxnSpPr>
+          <p:cNvPr id="77" name="Elbow Connector 63">
+            <a:extLst>
+              <a:ext uri="{FF2B5EF4-FFF2-40B4-BE49-F238E27FC236}">
+                <a16:creationId xmlns:a16="http://schemas.microsoft.com/office/drawing/2014/main" id="{CE192461-8F92-4046-BFF4-08BA854062B5}"/>
+              </a:ext>
+            </a:extLst>
+          </p:cNvPr>
+          <p:cNvCxnSpPr>
+            <a:cxnSpLocks/>
+            <a:endCxn id="72" idx="0"/>
+          </p:cNvCxnSpPr>
+          <p:nvPr/>
+        </p:nvCxnSpPr>
+        <p:spPr>
+          <a:xfrm>
+            <a:off x="3232946" y="1846397"/>
+            <a:ext cx="253871" cy="828739"/>
+          </a:xfrm>
+          <a:prstGeom prst="bentConnector2">
+            <a:avLst/>
+          </a:prstGeom>
+          <a:ln w="19050">
+            <a:solidFill>
+              <a:srgbClr val="7030A0"/>
+            </a:solidFill>
+            <a:prstDash val="sysDot"/>
+            <a:headEnd type="none" w="med" len="med"/>
+            <a:tailEnd type="none" w="med" len="med"/>
+          </a:ln>
+          <a:effectLst/>
+        </p:spPr>
+        <p:style>
+          <a:lnRef idx="1">
+            <a:schemeClr val="accent2"/>
+          </a:lnRef>
+          <a:fillRef idx="2">
+            <a:schemeClr val="accent2"/>
+          </a:fillRef>
+          <a:effectRef idx="1">
+            <a:schemeClr val="accent2"/>
+          </a:effectRef>
+          <a:fontRef idx="minor">
+            <a:schemeClr val="dk1"/>
+          </a:fontRef>
+        </p:style>
+      </p:cxnSp>
+      <p:sp>
+        <p:nvSpPr>
+          <p:cNvPr id="87" name="Isosceles Triangle 102">
+            <a:extLst>
+              <a:ext uri="{FF2B5EF4-FFF2-40B4-BE49-F238E27FC236}">
+                <a16:creationId xmlns:a16="http://schemas.microsoft.com/office/drawing/2014/main" id="{EB576710-C47A-F545-B4AC-73F799FEE517}"/>
+              </a:ext>
+            </a:extLst>
+          </p:cNvPr>
+          <p:cNvSpPr/>
+          <p:nvPr/>
+        </p:nvSpPr>
+        <p:spPr>
+          <a:xfrm rot="16200000">
+            <a:off x="3019004" y="1756878"/>
+            <a:ext cx="271014" cy="156684"/>
+          </a:xfrm>
+          <a:prstGeom prst="triangle">
+            <a:avLst>
+              <a:gd name="adj" fmla="val 44517"/>
+            </a:avLst>
+          </a:prstGeom>
+          <a:solidFill>
+            <a:schemeClr val="accent4">
+              <a:lumMod val="20000"/>
+              <a:lumOff val="80000"/>
+            </a:schemeClr>
+          </a:solidFill>
+          <a:ln w="19050">
+            <a:solidFill>
+              <a:srgbClr val="7030A0"/>
+            </a:solidFill>
+          </a:ln>
+          <a:effectLst/>
+        </p:spPr>
+        <p:style>
+          <a:lnRef idx="1">
+            <a:schemeClr val="accent6"/>
+          </a:lnRef>
+          <a:fillRef idx="2">
+            <a:schemeClr val="accent6"/>
+          </a:fillRef>
+          <a:effectRef idx="1">
+            <a:schemeClr val="accent6"/>
+          </a:effectRef>
+          <a:fontRef idx="minor">
+            <a:schemeClr val="dk1"/>
+          </a:fontRef>
+        </p:style>
+        <p:txBody>
+          <a:bodyPr rtlCol="0" anchor="ctr"/>
+          <a:lstStyle/>
+          <a:p>
+            <a:pPr algn="ctr"/>
+            <a:endParaRPr lang="en-SG" sz="1050"/>
+          </a:p>
+        </p:txBody>
+      </p:sp>
+      <p:sp>
+        <p:nvSpPr>
+          <p:cNvPr id="88" name="TextBox 87">
+            <a:extLst>
+              <a:ext uri="{FF2B5EF4-FFF2-40B4-BE49-F238E27FC236}">
+                <a16:creationId xmlns:a16="http://schemas.microsoft.com/office/drawing/2014/main" id="{CB34EEF1-580E-2E45-9F57-A97538D89811}"/>
+              </a:ext>
+            </a:extLst>
+          </p:cNvPr>
+          <p:cNvSpPr txBox="1"/>
+          <p:nvPr/>
+        </p:nvSpPr>
+        <p:spPr>
+          <a:xfrm>
+            <a:off x="2713197" y="2896201"/>
+            <a:ext cx="170110" cy="137542"/>
+          </a:xfrm>
+          <a:prstGeom prst="rect">
+            <a:avLst/>
+          </a:prstGeom>
+          <a:noFill/>
+        </p:spPr>
+        <p:txBody>
+          <a:bodyPr wrap="square" lIns="0" tIns="0" rIns="0" bIns="0" rtlCol="0">
+            <a:noAutofit/>
+          </a:bodyPr>
+          <a:lstStyle/>
+          <a:p>
+            <a:pPr algn="ctr"/>
+            <a:r>
+              <a:rPr lang="en-US" sz="1100" dirty="0">
+                <a:solidFill>
+                  <a:srgbClr val="7030A0"/>
+                </a:solidFill>
+              </a:rPr>
+              <a:t>1</a:t>
+            </a:r>
+            <a:endParaRPr lang="en-SG" sz="1100" dirty="0">
+              <a:solidFill>
+                <a:srgbClr val="7030A0"/>
+              </a:solidFill>
+            </a:endParaRPr>
+          </a:p>
+        </p:txBody>
+      </p:sp>
+      <p:cxnSp>
+        <p:nvCxnSpPr>
+          <p:cNvPr id="89" name="Straight Arrow Connector 88">
+            <a:extLst>
+              <a:ext uri="{FF2B5EF4-FFF2-40B4-BE49-F238E27FC236}">
+                <a16:creationId xmlns:a16="http://schemas.microsoft.com/office/drawing/2014/main" id="{75FB713E-CF1F-0F47-91EF-448DC474516B}"/>
+              </a:ext>
+            </a:extLst>
+          </p:cNvPr>
+          <p:cNvCxnSpPr>
+            <a:stCxn id="90" idx="3"/>
+          </p:cNvCxnSpPr>
+          <p:nvPr/>
+        </p:nvCxnSpPr>
+        <p:spPr>
+          <a:xfrm>
+            <a:off x="2629463" y="2830723"/>
+            <a:ext cx="241645" cy="0"/>
+          </a:xfrm>
+          <a:prstGeom prst="straightConnector1">
+            <a:avLst/>
+          </a:prstGeom>
+          <a:ln w="19050">
+            <a:solidFill>
+              <a:srgbClr val="7030A0"/>
+            </a:solidFill>
+            <a:headEnd type="none" w="med" len="med"/>
+            <a:tailEnd type="arrow" w="med" len="med"/>
+          </a:ln>
+          <a:effectLst/>
+        </p:spPr>
+        <p:style>
+          <a:lnRef idx="1">
+            <a:schemeClr val="accent2"/>
+          </a:lnRef>
+          <a:fillRef idx="2">
+            <a:schemeClr val="accent2"/>
+          </a:fillRef>
+          <a:effectRef idx="1">
+            <a:schemeClr val="accent2"/>
+          </a:effectRef>
+          <a:fontRef idx="minor">
+            <a:schemeClr val="dk1"/>
+          </a:fontRef>
+        </p:style>
+      </p:cxnSp>
+      <p:sp>
+        <p:nvSpPr>
+          <p:cNvPr id="90" name="Flowchart: Decision 96">
+            <a:extLst>
+              <a:ext uri="{FF2B5EF4-FFF2-40B4-BE49-F238E27FC236}">
+                <a16:creationId xmlns:a16="http://schemas.microsoft.com/office/drawing/2014/main" id="{753AE22B-6D93-9141-B2C5-83E2B097B04C}"/>
+              </a:ext>
+            </a:extLst>
+          </p:cNvPr>
+          <p:cNvSpPr/>
+          <p:nvPr/>
+        </p:nvSpPr>
+        <p:spPr>
+          <a:xfrm>
+            <a:off x="2393415" y="2744033"/>
+            <a:ext cx="236048" cy="173380"/>
+          </a:xfrm>
+          <a:prstGeom prst="flowChartDecision">
+            <a:avLst/>
+          </a:prstGeom>
+          <a:noFill/>
+          <a:ln w="19050">
+            <a:solidFill>
+              <a:srgbClr val="7030A0"/>
+            </a:solidFill>
+          </a:ln>
+          <a:effectLst/>
+        </p:spPr>
+        <p:style>
+          <a:lnRef idx="1">
+            <a:schemeClr val="accent6"/>
+          </a:lnRef>
+          <a:fillRef idx="2">
+            <a:schemeClr val="accent6"/>
+          </a:fillRef>
+          <a:effectRef idx="1">
+            <a:schemeClr val="accent6"/>
+          </a:effectRef>
+          <a:fontRef idx="minor">
+            <a:schemeClr val="dk1"/>
+          </a:fontRef>
+        </p:style>
+        <p:txBody>
+          <a:bodyPr rtlCol="0" anchor="ctr"/>
+          <a:lstStyle/>
+          <a:p>
+            <a:pPr algn="ctr"/>
+            <a:endParaRPr lang="en-US" sz="1050"/>
           </a:p>
         </p:txBody>
       </p:sp>
